--- a/trunk/doc/ui-0-2-3.pptx
+++ b/trunk/doc/ui-0-2-3.pptx
@@ -4,6 +4,9 @@
   <p:sldMasterIdLst>
     <p:sldMasterId id="2147483648" r:id="rId1"/>
   </p:sldMasterIdLst>
+  <p:notesMasterIdLst>
+    <p:notesMasterId r:id="rId48"/>
+  </p:notesMasterIdLst>
   <p:sldIdLst>
     <p:sldId id="256" r:id="rId2"/>
     <p:sldId id="257" r:id="rId3"/>
@@ -44,6 +47,13 @@
     <p:sldId id="294" r:id="rId38"/>
     <p:sldId id="295" r:id="rId39"/>
     <p:sldId id="296" r:id="rId40"/>
+    <p:sldId id="297" r:id="rId41"/>
+    <p:sldId id="298" r:id="rId42"/>
+    <p:sldId id="299" r:id="rId43"/>
+    <p:sldId id="300" r:id="rId44"/>
+    <p:sldId id="301" r:id="rId45"/>
+    <p:sldId id="302" r:id="rId46"/>
+    <p:sldId id="303" r:id="rId47"/>
   </p:sldIdLst>
   <p:sldSz cx="9144000" cy="6858000" type="screen4x3"/>
   <p:notesSz cx="6858000" cy="9144000"/>
@@ -145,6 +155,4079 @@
 </p:presentation>
 </file>
 
+<file path=ppt/notesMasters/notesMaster1.xml><?xml version="1.0" encoding="utf-8"?>
+<p:notesMaster xmlns:a="http://schemas.openxmlformats.org/drawingml/2006/main" xmlns:r="http://schemas.openxmlformats.org/officeDocument/2006/relationships" xmlns:p="http://schemas.openxmlformats.org/presentationml/2006/main">
+  <p:cSld>
+    <p:bg>
+      <p:bgRef idx="1001">
+        <a:schemeClr val="bg1"/>
+      </p:bgRef>
+    </p:bg>
+    <p:spTree>
+      <p:nvGrpSpPr>
+        <p:cNvPr id="1" name=""/>
+        <p:cNvGrpSpPr/>
+        <p:nvPr/>
+      </p:nvGrpSpPr>
+      <p:grpSpPr>
+        <a:xfrm>
+          <a:off x="0" y="0"/>
+          <a:ext cx="0" cy="0"/>
+          <a:chOff x="0" y="0"/>
+          <a:chExt cx="0" cy="0"/>
+        </a:xfrm>
+      </p:grpSpPr>
+      <p:sp>
+        <p:nvSpPr>
+          <p:cNvPr id="2" name="ตัวยึดหัวกระดาษ 1"/>
+          <p:cNvSpPr>
+            <a:spLocks noGrp="1"/>
+          </p:cNvSpPr>
+          <p:nvPr>
+            <p:ph type="hdr" sz="quarter"/>
+          </p:nvPr>
+        </p:nvSpPr>
+        <p:spPr>
+          <a:xfrm>
+            <a:off x="0" y="0"/>
+            <a:ext cx="2971800" cy="457200"/>
+          </a:xfrm>
+          <a:prstGeom prst="rect">
+            <a:avLst/>
+          </a:prstGeom>
+        </p:spPr>
+        <p:txBody>
+          <a:bodyPr vert="horz" lIns="91440" tIns="45720" rIns="91440" bIns="45720" rtlCol="0"/>
+          <a:lstStyle>
+            <a:lvl1pPr algn="l">
+              <a:defRPr sz="1200"/>
+            </a:lvl1pPr>
+          </a:lstStyle>
+          <a:p>
+            <a:endParaRPr lang="th-TH"/>
+          </a:p>
+        </p:txBody>
+      </p:sp>
+      <p:sp>
+        <p:nvSpPr>
+          <p:cNvPr id="3" name="ตัวยึดวันที่ 2"/>
+          <p:cNvSpPr>
+            <a:spLocks noGrp="1"/>
+          </p:cNvSpPr>
+          <p:nvPr>
+            <p:ph type="dt" idx="1"/>
+          </p:nvPr>
+        </p:nvSpPr>
+        <p:spPr>
+          <a:xfrm>
+            <a:off x="3884613" y="0"/>
+            <a:ext cx="2971800" cy="457200"/>
+          </a:xfrm>
+          <a:prstGeom prst="rect">
+            <a:avLst/>
+          </a:prstGeom>
+        </p:spPr>
+        <p:txBody>
+          <a:bodyPr vert="horz" lIns="91440" tIns="45720" rIns="91440" bIns="45720" rtlCol="0"/>
+          <a:lstStyle>
+            <a:lvl1pPr algn="r">
+              <a:defRPr sz="1200"/>
+            </a:lvl1pPr>
+          </a:lstStyle>
+          <a:p>
+            <a:fld id="{126F82B7-EAAB-4A17-BC4C-FA5D6F3B10CA}" type="datetimeFigureOut">
+              <a:rPr lang="th-TH" smtClean="0"/>
+              <a:t>05/11/51</a:t>
+            </a:fld>
+            <a:endParaRPr lang="th-TH"/>
+          </a:p>
+        </p:txBody>
+      </p:sp>
+      <p:sp>
+        <p:nvSpPr>
+          <p:cNvPr id="4" name="ตัวยึดรูปบนภาพนิ่ง 3"/>
+          <p:cNvSpPr>
+            <a:spLocks noGrp="1" noRot="1" noChangeAspect="1"/>
+          </p:cNvSpPr>
+          <p:nvPr>
+            <p:ph type="sldImg" idx="2"/>
+          </p:nvPr>
+        </p:nvSpPr>
+        <p:spPr>
+          <a:xfrm>
+            <a:off x="1143000" y="685800"/>
+            <a:ext cx="4572000" cy="3429000"/>
+          </a:xfrm>
+          <a:prstGeom prst="rect">
+            <a:avLst/>
+          </a:prstGeom>
+          <a:noFill/>
+          <a:ln w="12700">
+            <a:solidFill>
+              <a:prstClr val="black"/>
+            </a:solidFill>
+          </a:ln>
+        </p:spPr>
+        <p:txBody>
+          <a:bodyPr vert="horz" lIns="91440" tIns="45720" rIns="91440" bIns="45720" rtlCol="0" anchor="ctr"/>
+          <a:lstStyle/>
+          <a:p>
+            <a:endParaRPr lang="th-TH"/>
+          </a:p>
+        </p:txBody>
+      </p:sp>
+      <p:sp>
+        <p:nvSpPr>
+          <p:cNvPr id="5" name="ตัวยึดบันทึกย่อ 4"/>
+          <p:cNvSpPr>
+            <a:spLocks noGrp="1"/>
+          </p:cNvSpPr>
+          <p:nvPr>
+            <p:ph type="body" sz="quarter" idx="3"/>
+          </p:nvPr>
+        </p:nvSpPr>
+        <p:spPr>
+          <a:xfrm>
+            <a:off x="685800" y="4343400"/>
+            <a:ext cx="5486400" cy="4114800"/>
+          </a:xfrm>
+          <a:prstGeom prst="rect">
+            <a:avLst/>
+          </a:prstGeom>
+        </p:spPr>
+        <p:txBody>
+          <a:bodyPr vert="horz" lIns="91440" tIns="45720" rIns="91440" bIns="45720" rtlCol="0">
+            <a:normAutofit/>
+          </a:bodyPr>
+          <a:lstStyle/>
+          <a:p>
+            <a:pPr lvl="0"/>
+            <a:r>
+              <a:rPr lang="th-TH" smtClean="0"/>
+              <a:t>คลิกเพื่อแก้ไขลักษณะของข้อความต้นแบบ</a:t>
+            </a:r>
+          </a:p>
+          <a:p>
+            <a:pPr lvl="1"/>
+            <a:r>
+              <a:rPr lang="th-TH" smtClean="0"/>
+              <a:t>ระดับที่สอง</a:t>
+            </a:r>
+          </a:p>
+          <a:p>
+            <a:pPr lvl="2"/>
+            <a:r>
+              <a:rPr lang="th-TH" smtClean="0"/>
+              <a:t>ระดับที่สาม</a:t>
+            </a:r>
+          </a:p>
+          <a:p>
+            <a:pPr lvl="3"/>
+            <a:r>
+              <a:rPr lang="th-TH" smtClean="0"/>
+              <a:t>ระดับที่สี่</a:t>
+            </a:r>
+          </a:p>
+          <a:p>
+            <a:pPr lvl="4"/>
+            <a:r>
+              <a:rPr lang="th-TH" smtClean="0"/>
+              <a:t>ระดับที่ห้า</a:t>
+            </a:r>
+            <a:endParaRPr lang="th-TH"/>
+          </a:p>
+        </p:txBody>
+      </p:sp>
+      <p:sp>
+        <p:nvSpPr>
+          <p:cNvPr id="6" name="ตัวยึดท้ายกระดาษ 5"/>
+          <p:cNvSpPr>
+            <a:spLocks noGrp="1"/>
+          </p:cNvSpPr>
+          <p:nvPr>
+            <p:ph type="ftr" sz="quarter" idx="4"/>
+          </p:nvPr>
+        </p:nvSpPr>
+        <p:spPr>
+          <a:xfrm>
+            <a:off x="0" y="8685213"/>
+            <a:ext cx="2971800" cy="457200"/>
+          </a:xfrm>
+          <a:prstGeom prst="rect">
+            <a:avLst/>
+          </a:prstGeom>
+        </p:spPr>
+        <p:txBody>
+          <a:bodyPr vert="horz" lIns="91440" tIns="45720" rIns="91440" bIns="45720" rtlCol="0" anchor="b"/>
+          <a:lstStyle>
+            <a:lvl1pPr algn="l">
+              <a:defRPr sz="1200"/>
+            </a:lvl1pPr>
+          </a:lstStyle>
+          <a:p>
+            <a:endParaRPr lang="th-TH"/>
+          </a:p>
+        </p:txBody>
+      </p:sp>
+      <p:sp>
+        <p:nvSpPr>
+          <p:cNvPr id="7" name="ตัวยึดหมายเลขภาพนิ่ง 6"/>
+          <p:cNvSpPr>
+            <a:spLocks noGrp="1"/>
+          </p:cNvSpPr>
+          <p:nvPr>
+            <p:ph type="sldNum" sz="quarter" idx="5"/>
+          </p:nvPr>
+        </p:nvSpPr>
+        <p:spPr>
+          <a:xfrm>
+            <a:off x="3884613" y="8685213"/>
+            <a:ext cx="2971800" cy="457200"/>
+          </a:xfrm>
+          <a:prstGeom prst="rect">
+            <a:avLst/>
+          </a:prstGeom>
+        </p:spPr>
+        <p:txBody>
+          <a:bodyPr vert="horz" lIns="91440" tIns="45720" rIns="91440" bIns="45720" rtlCol="0" anchor="b"/>
+          <a:lstStyle>
+            <a:lvl1pPr algn="r">
+              <a:defRPr sz="1200"/>
+            </a:lvl1pPr>
+          </a:lstStyle>
+          <a:p>
+            <a:fld id="{DADF16B9-0908-4A34-B580-FE20BE9B9A7E}" type="slidenum">
+              <a:rPr lang="th-TH" smtClean="0"/>
+              <a:t>‹#›</a:t>
+            </a:fld>
+            <a:endParaRPr lang="th-TH"/>
+          </a:p>
+        </p:txBody>
+      </p:sp>
+    </p:spTree>
+  </p:cSld>
+  <p:clrMap bg1="lt1" tx1="dk1" bg2="lt2" tx2="dk2" accent1="accent1" accent2="accent2" accent3="accent3" accent4="accent4" accent5="accent5" accent6="accent6" hlink="hlink" folHlink="folHlink"/>
+  <p:notesStyle>
+    <a:lvl1pPr marL="0" algn="l" defTabSz="914400" rtl="0" eaLnBrk="1" latinLnBrk="0" hangingPunct="1">
+      <a:defRPr sz="1800" kern="1200">
+        <a:solidFill>
+          <a:schemeClr val="tx1"/>
+        </a:solidFill>
+        <a:latin typeface="+mn-lt"/>
+        <a:ea typeface="+mn-ea"/>
+        <a:cs typeface="+mn-cs"/>
+      </a:defRPr>
+    </a:lvl1pPr>
+    <a:lvl2pPr marL="457200" algn="l" defTabSz="914400" rtl="0" eaLnBrk="1" latinLnBrk="0" hangingPunct="1">
+      <a:defRPr sz="1800" kern="1200">
+        <a:solidFill>
+          <a:schemeClr val="tx1"/>
+        </a:solidFill>
+        <a:latin typeface="+mn-lt"/>
+        <a:ea typeface="+mn-ea"/>
+        <a:cs typeface="+mn-cs"/>
+      </a:defRPr>
+    </a:lvl2pPr>
+    <a:lvl3pPr marL="914400" algn="l" defTabSz="914400" rtl="0" eaLnBrk="1" latinLnBrk="0" hangingPunct="1">
+      <a:defRPr sz="1800" kern="1200">
+        <a:solidFill>
+          <a:schemeClr val="tx1"/>
+        </a:solidFill>
+        <a:latin typeface="+mn-lt"/>
+        <a:ea typeface="+mn-ea"/>
+        <a:cs typeface="+mn-cs"/>
+      </a:defRPr>
+    </a:lvl3pPr>
+    <a:lvl4pPr marL="1371600" algn="l" defTabSz="914400" rtl="0" eaLnBrk="1" latinLnBrk="0" hangingPunct="1">
+      <a:defRPr sz="1800" kern="1200">
+        <a:solidFill>
+          <a:schemeClr val="tx1"/>
+        </a:solidFill>
+        <a:latin typeface="+mn-lt"/>
+        <a:ea typeface="+mn-ea"/>
+        <a:cs typeface="+mn-cs"/>
+      </a:defRPr>
+    </a:lvl4pPr>
+    <a:lvl5pPr marL="1828800" algn="l" defTabSz="914400" rtl="0" eaLnBrk="1" latinLnBrk="0" hangingPunct="1">
+      <a:defRPr sz="1800" kern="1200">
+        <a:solidFill>
+          <a:schemeClr val="tx1"/>
+        </a:solidFill>
+        <a:latin typeface="+mn-lt"/>
+        <a:ea typeface="+mn-ea"/>
+        <a:cs typeface="+mn-cs"/>
+      </a:defRPr>
+    </a:lvl5pPr>
+    <a:lvl6pPr marL="2286000" algn="l" defTabSz="914400" rtl="0" eaLnBrk="1" latinLnBrk="0" hangingPunct="1">
+      <a:defRPr sz="1800" kern="1200">
+        <a:solidFill>
+          <a:schemeClr val="tx1"/>
+        </a:solidFill>
+        <a:latin typeface="+mn-lt"/>
+        <a:ea typeface="+mn-ea"/>
+        <a:cs typeface="+mn-cs"/>
+      </a:defRPr>
+    </a:lvl6pPr>
+    <a:lvl7pPr marL="2743200" algn="l" defTabSz="914400" rtl="0" eaLnBrk="1" latinLnBrk="0" hangingPunct="1">
+      <a:defRPr sz="1800" kern="1200">
+        <a:solidFill>
+          <a:schemeClr val="tx1"/>
+        </a:solidFill>
+        <a:latin typeface="+mn-lt"/>
+        <a:ea typeface="+mn-ea"/>
+        <a:cs typeface="+mn-cs"/>
+      </a:defRPr>
+    </a:lvl7pPr>
+    <a:lvl8pPr marL="3200400" algn="l" defTabSz="914400" rtl="0" eaLnBrk="1" latinLnBrk="0" hangingPunct="1">
+      <a:defRPr sz="1800" kern="1200">
+        <a:solidFill>
+          <a:schemeClr val="tx1"/>
+        </a:solidFill>
+        <a:latin typeface="+mn-lt"/>
+        <a:ea typeface="+mn-ea"/>
+        <a:cs typeface="+mn-cs"/>
+      </a:defRPr>
+    </a:lvl8pPr>
+    <a:lvl9pPr marL="3657600" algn="l" defTabSz="914400" rtl="0" eaLnBrk="1" latinLnBrk="0" hangingPunct="1">
+      <a:defRPr sz="1800" kern="1200">
+        <a:solidFill>
+          <a:schemeClr val="tx1"/>
+        </a:solidFill>
+        <a:latin typeface="+mn-lt"/>
+        <a:ea typeface="+mn-ea"/>
+        <a:cs typeface="+mn-cs"/>
+      </a:defRPr>
+    </a:lvl9pPr>
+  </p:notesStyle>
+</p:notesMaster>
+</file>
+
+<file path=ppt/notesSlides/notesSlide1.xml><?xml version="1.0" encoding="utf-8"?>
+<p:notes xmlns:a="http://schemas.openxmlformats.org/drawingml/2006/main" xmlns:r="http://schemas.openxmlformats.org/officeDocument/2006/relationships" xmlns:p="http://schemas.openxmlformats.org/presentationml/2006/main">
+  <p:cSld>
+    <p:spTree>
+      <p:nvGrpSpPr>
+        <p:cNvPr id="1" name=""/>
+        <p:cNvGrpSpPr/>
+        <p:nvPr/>
+      </p:nvGrpSpPr>
+      <p:grpSpPr>
+        <a:xfrm>
+          <a:off x="0" y="0"/>
+          <a:ext cx="0" cy="0"/>
+          <a:chOff x="0" y="0"/>
+          <a:chExt cx="0" cy="0"/>
+        </a:xfrm>
+      </p:grpSpPr>
+      <p:sp>
+        <p:nvSpPr>
+          <p:cNvPr id="2" name="ตัวยึดรูปบนภาพนิ่ง 1"/>
+          <p:cNvSpPr>
+            <a:spLocks noGrp="1" noRot="1" noChangeAspect="1"/>
+          </p:cNvSpPr>
+          <p:nvPr>
+            <p:ph type="sldImg"/>
+          </p:nvPr>
+        </p:nvSpPr>
+        <p:spPr/>
+      </p:sp>
+      <p:sp>
+        <p:nvSpPr>
+          <p:cNvPr id="3" name="ตัวยึดบันทึกย่อ 2"/>
+          <p:cNvSpPr>
+            <a:spLocks noGrp="1"/>
+          </p:cNvSpPr>
+          <p:nvPr>
+            <p:ph type="body" idx="1"/>
+          </p:nvPr>
+        </p:nvSpPr>
+        <p:spPr/>
+        <p:txBody>
+          <a:bodyPr>
+            <a:normAutofit/>
+          </a:bodyPr>
+          <a:lstStyle/>
+          <a:p>
+            <a:endParaRPr lang="th-TH"/>
+          </a:p>
+        </p:txBody>
+      </p:sp>
+      <p:sp>
+        <p:nvSpPr>
+          <p:cNvPr id="4" name="ตัวยึดหมายเลขภาพนิ่ง 3"/>
+          <p:cNvSpPr>
+            <a:spLocks noGrp="1"/>
+          </p:cNvSpPr>
+          <p:nvPr>
+            <p:ph type="sldNum" sz="quarter" idx="10"/>
+          </p:nvPr>
+        </p:nvSpPr>
+        <p:spPr/>
+        <p:txBody>
+          <a:bodyPr/>
+          <a:lstStyle/>
+          <a:p>
+            <a:fld id="{DADF16B9-0908-4A34-B580-FE20BE9B9A7E}" type="slidenum">
+              <a:rPr lang="th-TH" smtClean="0"/>
+              <a:t>1</a:t>
+            </a:fld>
+            <a:endParaRPr lang="th-TH"/>
+          </a:p>
+        </p:txBody>
+      </p:sp>
+    </p:spTree>
+  </p:cSld>
+  <p:clrMapOvr>
+    <a:masterClrMapping/>
+  </p:clrMapOvr>
+</p:notes>
+</file>
+
+<file path=ppt/notesSlides/notesSlide10.xml><?xml version="1.0" encoding="utf-8"?>
+<p:notes xmlns:a="http://schemas.openxmlformats.org/drawingml/2006/main" xmlns:r="http://schemas.openxmlformats.org/officeDocument/2006/relationships" xmlns:p="http://schemas.openxmlformats.org/presentationml/2006/main">
+  <p:cSld>
+    <p:spTree>
+      <p:nvGrpSpPr>
+        <p:cNvPr id="1" name=""/>
+        <p:cNvGrpSpPr/>
+        <p:nvPr/>
+      </p:nvGrpSpPr>
+      <p:grpSpPr>
+        <a:xfrm>
+          <a:off x="0" y="0"/>
+          <a:ext cx="0" cy="0"/>
+          <a:chOff x="0" y="0"/>
+          <a:chExt cx="0" cy="0"/>
+        </a:xfrm>
+      </p:grpSpPr>
+      <p:sp>
+        <p:nvSpPr>
+          <p:cNvPr id="2" name="ตัวยึดรูปบนภาพนิ่ง 1"/>
+          <p:cNvSpPr>
+            <a:spLocks noGrp="1" noRot="1" noChangeAspect="1"/>
+          </p:cNvSpPr>
+          <p:nvPr>
+            <p:ph type="sldImg"/>
+          </p:nvPr>
+        </p:nvSpPr>
+        <p:spPr/>
+      </p:sp>
+      <p:sp>
+        <p:nvSpPr>
+          <p:cNvPr id="3" name="ตัวยึดบันทึกย่อ 2"/>
+          <p:cNvSpPr>
+            <a:spLocks noGrp="1"/>
+          </p:cNvSpPr>
+          <p:nvPr>
+            <p:ph type="body" idx="1"/>
+          </p:nvPr>
+        </p:nvSpPr>
+        <p:spPr/>
+        <p:txBody>
+          <a:bodyPr>
+            <a:normAutofit/>
+          </a:bodyPr>
+          <a:lstStyle/>
+          <a:p>
+            <a:endParaRPr lang="th-TH"/>
+          </a:p>
+        </p:txBody>
+      </p:sp>
+      <p:sp>
+        <p:nvSpPr>
+          <p:cNvPr id="4" name="ตัวยึดหมายเลขภาพนิ่ง 3"/>
+          <p:cNvSpPr>
+            <a:spLocks noGrp="1"/>
+          </p:cNvSpPr>
+          <p:nvPr>
+            <p:ph type="sldNum" sz="quarter" idx="10"/>
+          </p:nvPr>
+        </p:nvSpPr>
+        <p:spPr/>
+        <p:txBody>
+          <a:bodyPr/>
+          <a:lstStyle/>
+          <a:p>
+            <a:fld id="{DADF16B9-0908-4A34-B580-FE20BE9B9A7E}" type="slidenum">
+              <a:rPr lang="th-TH" smtClean="0"/>
+              <a:t>10</a:t>
+            </a:fld>
+            <a:endParaRPr lang="th-TH"/>
+          </a:p>
+        </p:txBody>
+      </p:sp>
+    </p:spTree>
+  </p:cSld>
+  <p:clrMapOvr>
+    <a:masterClrMapping/>
+  </p:clrMapOvr>
+</p:notes>
+</file>
+
+<file path=ppt/notesSlides/notesSlide11.xml><?xml version="1.0" encoding="utf-8"?>
+<p:notes xmlns:a="http://schemas.openxmlformats.org/drawingml/2006/main" xmlns:r="http://schemas.openxmlformats.org/officeDocument/2006/relationships" xmlns:p="http://schemas.openxmlformats.org/presentationml/2006/main">
+  <p:cSld>
+    <p:spTree>
+      <p:nvGrpSpPr>
+        <p:cNvPr id="1" name=""/>
+        <p:cNvGrpSpPr/>
+        <p:nvPr/>
+      </p:nvGrpSpPr>
+      <p:grpSpPr>
+        <a:xfrm>
+          <a:off x="0" y="0"/>
+          <a:ext cx="0" cy="0"/>
+          <a:chOff x="0" y="0"/>
+          <a:chExt cx="0" cy="0"/>
+        </a:xfrm>
+      </p:grpSpPr>
+      <p:sp>
+        <p:nvSpPr>
+          <p:cNvPr id="2" name="ตัวยึดรูปบนภาพนิ่ง 1"/>
+          <p:cNvSpPr>
+            <a:spLocks noGrp="1" noRot="1" noChangeAspect="1"/>
+          </p:cNvSpPr>
+          <p:nvPr>
+            <p:ph type="sldImg"/>
+          </p:nvPr>
+        </p:nvSpPr>
+        <p:spPr/>
+      </p:sp>
+      <p:sp>
+        <p:nvSpPr>
+          <p:cNvPr id="3" name="ตัวยึดบันทึกย่อ 2"/>
+          <p:cNvSpPr>
+            <a:spLocks noGrp="1"/>
+          </p:cNvSpPr>
+          <p:nvPr>
+            <p:ph type="body" idx="1"/>
+          </p:nvPr>
+        </p:nvSpPr>
+        <p:spPr/>
+        <p:txBody>
+          <a:bodyPr>
+            <a:normAutofit/>
+          </a:bodyPr>
+          <a:lstStyle/>
+          <a:p>
+            <a:endParaRPr lang="th-TH"/>
+          </a:p>
+        </p:txBody>
+      </p:sp>
+      <p:sp>
+        <p:nvSpPr>
+          <p:cNvPr id="4" name="ตัวยึดหมายเลขภาพนิ่ง 3"/>
+          <p:cNvSpPr>
+            <a:spLocks noGrp="1"/>
+          </p:cNvSpPr>
+          <p:nvPr>
+            <p:ph type="sldNum" sz="quarter" idx="10"/>
+          </p:nvPr>
+        </p:nvSpPr>
+        <p:spPr/>
+        <p:txBody>
+          <a:bodyPr/>
+          <a:lstStyle/>
+          <a:p>
+            <a:fld id="{DADF16B9-0908-4A34-B580-FE20BE9B9A7E}" type="slidenum">
+              <a:rPr lang="th-TH" smtClean="0"/>
+              <a:t>11</a:t>
+            </a:fld>
+            <a:endParaRPr lang="th-TH"/>
+          </a:p>
+        </p:txBody>
+      </p:sp>
+    </p:spTree>
+  </p:cSld>
+  <p:clrMapOvr>
+    <a:masterClrMapping/>
+  </p:clrMapOvr>
+</p:notes>
+</file>
+
+<file path=ppt/notesSlides/notesSlide12.xml><?xml version="1.0" encoding="utf-8"?>
+<p:notes xmlns:a="http://schemas.openxmlformats.org/drawingml/2006/main" xmlns:r="http://schemas.openxmlformats.org/officeDocument/2006/relationships" xmlns:p="http://schemas.openxmlformats.org/presentationml/2006/main">
+  <p:cSld>
+    <p:spTree>
+      <p:nvGrpSpPr>
+        <p:cNvPr id="1" name=""/>
+        <p:cNvGrpSpPr/>
+        <p:nvPr/>
+      </p:nvGrpSpPr>
+      <p:grpSpPr>
+        <a:xfrm>
+          <a:off x="0" y="0"/>
+          <a:ext cx="0" cy="0"/>
+          <a:chOff x="0" y="0"/>
+          <a:chExt cx="0" cy="0"/>
+        </a:xfrm>
+      </p:grpSpPr>
+      <p:sp>
+        <p:nvSpPr>
+          <p:cNvPr id="2" name="ตัวยึดรูปบนภาพนิ่ง 1"/>
+          <p:cNvSpPr>
+            <a:spLocks noGrp="1" noRot="1" noChangeAspect="1"/>
+          </p:cNvSpPr>
+          <p:nvPr>
+            <p:ph type="sldImg"/>
+          </p:nvPr>
+        </p:nvSpPr>
+        <p:spPr/>
+      </p:sp>
+      <p:sp>
+        <p:nvSpPr>
+          <p:cNvPr id="3" name="ตัวยึดบันทึกย่อ 2"/>
+          <p:cNvSpPr>
+            <a:spLocks noGrp="1"/>
+          </p:cNvSpPr>
+          <p:nvPr>
+            <p:ph type="body" idx="1"/>
+          </p:nvPr>
+        </p:nvSpPr>
+        <p:spPr/>
+        <p:txBody>
+          <a:bodyPr>
+            <a:normAutofit/>
+          </a:bodyPr>
+          <a:lstStyle/>
+          <a:p>
+            <a:endParaRPr lang="th-TH"/>
+          </a:p>
+        </p:txBody>
+      </p:sp>
+      <p:sp>
+        <p:nvSpPr>
+          <p:cNvPr id="4" name="ตัวยึดหมายเลขภาพนิ่ง 3"/>
+          <p:cNvSpPr>
+            <a:spLocks noGrp="1"/>
+          </p:cNvSpPr>
+          <p:nvPr>
+            <p:ph type="sldNum" sz="quarter" idx="10"/>
+          </p:nvPr>
+        </p:nvSpPr>
+        <p:spPr/>
+        <p:txBody>
+          <a:bodyPr/>
+          <a:lstStyle/>
+          <a:p>
+            <a:fld id="{DADF16B9-0908-4A34-B580-FE20BE9B9A7E}" type="slidenum">
+              <a:rPr lang="th-TH" smtClean="0"/>
+              <a:t>12</a:t>
+            </a:fld>
+            <a:endParaRPr lang="th-TH"/>
+          </a:p>
+        </p:txBody>
+      </p:sp>
+    </p:spTree>
+  </p:cSld>
+  <p:clrMapOvr>
+    <a:masterClrMapping/>
+  </p:clrMapOvr>
+</p:notes>
+</file>
+
+<file path=ppt/notesSlides/notesSlide13.xml><?xml version="1.0" encoding="utf-8"?>
+<p:notes xmlns:a="http://schemas.openxmlformats.org/drawingml/2006/main" xmlns:r="http://schemas.openxmlformats.org/officeDocument/2006/relationships" xmlns:p="http://schemas.openxmlformats.org/presentationml/2006/main">
+  <p:cSld>
+    <p:spTree>
+      <p:nvGrpSpPr>
+        <p:cNvPr id="1" name=""/>
+        <p:cNvGrpSpPr/>
+        <p:nvPr/>
+      </p:nvGrpSpPr>
+      <p:grpSpPr>
+        <a:xfrm>
+          <a:off x="0" y="0"/>
+          <a:ext cx="0" cy="0"/>
+          <a:chOff x="0" y="0"/>
+          <a:chExt cx="0" cy="0"/>
+        </a:xfrm>
+      </p:grpSpPr>
+      <p:sp>
+        <p:nvSpPr>
+          <p:cNvPr id="2" name="ตัวยึดรูปบนภาพนิ่ง 1"/>
+          <p:cNvSpPr>
+            <a:spLocks noGrp="1" noRot="1" noChangeAspect="1"/>
+          </p:cNvSpPr>
+          <p:nvPr>
+            <p:ph type="sldImg"/>
+          </p:nvPr>
+        </p:nvSpPr>
+        <p:spPr/>
+      </p:sp>
+      <p:sp>
+        <p:nvSpPr>
+          <p:cNvPr id="3" name="ตัวยึดบันทึกย่อ 2"/>
+          <p:cNvSpPr>
+            <a:spLocks noGrp="1"/>
+          </p:cNvSpPr>
+          <p:nvPr>
+            <p:ph type="body" idx="1"/>
+          </p:nvPr>
+        </p:nvSpPr>
+        <p:spPr/>
+        <p:txBody>
+          <a:bodyPr>
+            <a:normAutofit/>
+          </a:bodyPr>
+          <a:lstStyle/>
+          <a:p>
+            <a:endParaRPr lang="th-TH"/>
+          </a:p>
+        </p:txBody>
+      </p:sp>
+      <p:sp>
+        <p:nvSpPr>
+          <p:cNvPr id="4" name="ตัวยึดหมายเลขภาพนิ่ง 3"/>
+          <p:cNvSpPr>
+            <a:spLocks noGrp="1"/>
+          </p:cNvSpPr>
+          <p:nvPr>
+            <p:ph type="sldNum" sz="quarter" idx="10"/>
+          </p:nvPr>
+        </p:nvSpPr>
+        <p:spPr/>
+        <p:txBody>
+          <a:bodyPr/>
+          <a:lstStyle/>
+          <a:p>
+            <a:fld id="{DADF16B9-0908-4A34-B580-FE20BE9B9A7E}" type="slidenum">
+              <a:rPr lang="th-TH" smtClean="0"/>
+              <a:t>13</a:t>
+            </a:fld>
+            <a:endParaRPr lang="th-TH"/>
+          </a:p>
+        </p:txBody>
+      </p:sp>
+    </p:spTree>
+  </p:cSld>
+  <p:clrMapOvr>
+    <a:masterClrMapping/>
+  </p:clrMapOvr>
+</p:notes>
+</file>
+
+<file path=ppt/notesSlides/notesSlide14.xml><?xml version="1.0" encoding="utf-8"?>
+<p:notes xmlns:a="http://schemas.openxmlformats.org/drawingml/2006/main" xmlns:r="http://schemas.openxmlformats.org/officeDocument/2006/relationships" xmlns:p="http://schemas.openxmlformats.org/presentationml/2006/main">
+  <p:cSld>
+    <p:spTree>
+      <p:nvGrpSpPr>
+        <p:cNvPr id="1" name=""/>
+        <p:cNvGrpSpPr/>
+        <p:nvPr/>
+      </p:nvGrpSpPr>
+      <p:grpSpPr>
+        <a:xfrm>
+          <a:off x="0" y="0"/>
+          <a:ext cx="0" cy="0"/>
+          <a:chOff x="0" y="0"/>
+          <a:chExt cx="0" cy="0"/>
+        </a:xfrm>
+      </p:grpSpPr>
+      <p:sp>
+        <p:nvSpPr>
+          <p:cNvPr id="2" name="ตัวยึดรูปบนภาพนิ่ง 1"/>
+          <p:cNvSpPr>
+            <a:spLocks noGrp="1" noRot="1" noChangeAspect="1"/>
+          </p:cNvSpPr>
+          <p:nvPr>
+            <p:ph type="sldImg"/>
+          </p:nvPr>
+        </p:nvSpPr>
+        <p:spPr/>
+      </p:sp>
+      <p:sp>
+        <p:nvSpPr>
+          <p:cNvPr id="3" name="ตัวยึดบันทึกย่อ 2"/>
+          <p:cNvSpPr>
+            <a:spLocks noGrp="1"/>
+          </p:cNvSpPr>
+          <p:nvPr>
+            <p:ph type="body" idx="1"/>
+          </p:nvPr>
+        </p:nvSpPr>
+        <p:spPr/>
+        <p:txBody>
+          <a:bodyPr>
+            <a:normAutofit/>
+          </a:bodyPr>
+          <a:lstStyle/>
+          <a:p>
+            <a:endParaRPr lang="th-TH"/>
+          </a:p>
+        </p:txBody>
+      </p:sp>
+      <p:sp>
+        <p:nvSpPr>
+          <p:cNvPr id="4" name="ตัวยึดหมายเลขภาพนิ่ง 3"/>
+          <p:cNvSpPr>
+            <a:spLocks noGrp="1"/>
+          </p:cNvSpPr>
+          <p:nvPr>
+            <p:ph type="sldNum" sz="quarter" idx="10"/>
+          </p:nvPr>
+        </p:nvSpPr>
+        <p:spPr/>
+        <p:txBody>
+          <a:bodyPr/>
+          <a:lstStyle/>
+          <a:p>
+            <a:fld id="{DADF16B9-0908-4A34-B580-FE20BE9B9A7E}" type="slidenum">
+              <a:rPr lang="th-TH" smtClean="0"/>
+              <a:t>14</a:t>
+            </a:fld>
+            <a:endParaRPr lang="th-TH"/>
+          </a:p>
+        </p:txBody>
+      </p:sp>
+    </p:spTree>
+  </p:cSld>
+  <p:clrMapOvr>
+    <a:masterClrMapping/>
+  </p:clrMapOvr>
+</p:notes>
+</file>
+
+<file path=ppt/notesSlides/notesSlide15.xml><?xml version="1.0" encoding="utf-8"?>
+<p:notes xmlns:a="http://schemas.openxmlformats.org/drawingml/2006/main" xmlns:r="http://schemas.openxmlformats.org/officeDocument/2006/relationships" xmlns:p="http://schemas.openxmlformats.org/presentationml/2006/main">
+  <p:cSld>
+    <p:spTree>
+      <p:nvGrpSpPr>
+        <p:cNvPr id="1" name=""/>
+        <p:cNvGrpSpPr/>
+        <p:nvPr/>
+      </p:nvGrpSpPr>
+      <p:grpSpPr>
+        <a:xfrm>
+          <a:off x="0" y="0"/>
+          <a:ext cx="0" cy="0"/>
+          <a:chOff x="0" y="0"/>
+          <a:chExt cx="0" cy="0"/>
+        </a:xfrm>
+      </p:grpSpPr>
+      <p:sp>
+        <p:nvSpPr>
+          <p:cNvPr id="2" name="ตัวยึดรูปบนภาพนิ่ง 1"/>
+          <p:cNvSpPr>
+            <a:spLocks noGrp="1" noRot="1" noChangeAspect="1"/>
+          </p:cNvSpPr>
+          <p:nvPr>
+            <p:ph type="sldImg"/>
+          </p:nvPr>
+        </p:nvSpPr>
+        <p:spPr/>
+      </p:sp>
+      <p:sp>
+        <p:nvSpPr>
+          <p:cNvPr id="3" name="ตัวยึดบันทึกย่อ 2"/>
+          <p:cNvSpPr>
+            <a:spLocks noGrp="1"/>
+          </p:cNvSpPr>
+          <p:nvPr>
+            <p:ph type="body" idx="1"/>
+          </p:nvPr>
+        </p:nvSpPr>
+        <p:spPr/>
+        <p:txBody>
+          <a:bodyPr>
+            <a:normAutofit/>
+          </a:bodyPr>
+          <a:lstStyle/>
+          <a:p>
+            <a:endParaRPr lang="th-TH"/>
+          </a:p>
+        </p:txBody>
+      </p:sp>
+      <p:sp>
+        <p:nvSpPr>
+          <p:cNvPr id="4" name="ตัวยึดหมายเลขภาพนิ่ง 3"/>
+          <p:cNvSpPr>
+            <a:spLocks noGrp="1"/>
+          </p:cNvSpPr>
+          <p:nvPr>
+            <p:ph type="sldNum" sz="quarter" idx="10"/>
+          </p:nvPr>
+        </p:nvSpPr>
+        <p:spPr/>
+        <p:txBody>
+          <a:bodyPr/>
+          <a:lstStyle/>
+          <a:p>
+            <a:fld id="{DADF16B9-0908-4A34-B580-FE20BE9B9A7E}" type="slidenum">
+              <a:rPr lang="th-TH" smtClean="0"/>
+              <a:t>15</a:t>
+            </a:fld>
+            <a:endParaRPr lang="th-TH"/>
+          </a:p>
+        </p:txBody>
+      </p:sp>
+    </p:spTree>
+  </p:cSld>
+  <p:clrMapOvr>
+    <a:masterClrMapping/>
+  </p:clrMapOvr>
+</p:notes>
+</file>
+
+<file path=ppt/notesSlides/notesSlide16.xml><?xml version="1.0" encoding="utf-8"?>
+<p:notes xmlns:a="http://schemas.openxmlformats.org/drawingml/2006/main" xmlns:r="http://schemas.openxmlformats.org/officeDocument/2006/relationships" xmlns:p="http://schemas.openxmlformats.org/presentationml/2006/main">
+  <p:cSld>
+    <p:spTree>
+      <p:nvGrpSpPr>
+        <p:cNvPr id="1" name=""/>
+        <p:cNvGrpSpPr/>
+        <p:nvPr/>
+      </p:nvGrpSpPr>
+      <p:grpSpPr>
+        <a:xfrm>
+          <a:off x="0" y="0"/>
+          <a:ext cx="0" cy="0"/>
+          <a:chOff x="0" y="0"/>
+          <a:chExt cx="0" cy="0"/>
+        </a:xfrm>
+      </p:grpSpPr>
+      <p:sp>
+        <p:nvSpPr>
+          <p:cNvPr id="2" name="ตัวยึดรูปบนภาพนิ่ง 1"/>
+          <p:cNvSpPr>
+            <a:spLocks noGrp="1" noRot="1" noChangeAspect="1"/>
+          </p:cNvSpPr>
+          <p:nvPr>
+            <p:ph type="sldImg"/>
+          </p:nvPr>
+        </p:nvSpPr>
+        <p:spPr/>
+      </p:sp>
+      <p:sp>
+        <p:nvSpPr>
+          <p:cNvPr id="3" name="ตัวยึดบันทึกย่อ 2"/>
+          <p:cNvSpPr>
+            <a:spLocks noGrp="1"/>
+          </p:cNvSpPr>
+          <p:nvPr>
+            <p:ph type="body" idx="1"/>
+          </p:nvPr>
+        </p:nvSpPr>
+        <p:spPr/>
+        <p:txBody>
+          <a:bodyPr>
+            <a:normAutofit/>
+          </a:bodyPr>
+          <a:lstStyle/>
+          <a:p>
+            <a:endParaRPr lang="th-TH"/>
+          </a:p>
+        </p:txBody>
+      </p:sp>
+      <p:sp>
+        <p:nvSpPr>
+          <p:cNvPr id="4" name="ตัวยึดหมายเลขภาพนิ่ง 3"/>
+          <p:cNvSpPr>
+            <a:spLocks noGrp="1"/>
+          </p:cNvSpPr>
+          <p:nvPr>
+            <p:ph type="sldNum" sz="quarter" idx="10"/>
+          </p:nvPr>
+        </p:nvSpPr>
+        <p:spPr/>
+        <p:txBody>
+          <a:bodyPr/>
+          <a:lstStyle/>
+          <a:p>
+            <a:fld id="{DADF16B9-0908-4A34-B580-FE20BE9B9A7E}" type="slidenum">
+              <a:rPr lang="th-TH" smtClean="0"/>
+              <a:t>16</a:t>
+            </a:fld>
+            <a:endParaRPr lang="th-TH"/>
+          </a:p>
+        </p:txBody>
+      </p:sp>
+    </p:spTree>
+  </p:cSld>
+  <p:clrMapOvr>
+    <a:masterClrMapping/>
+  </p:clrMapOvr>
+</p:notes>
+</file>
+
+<file path=ppt/notesSlides/notesSlide17.xml><?xml version="1.0" encoding="utf-8"?>
+<p:notes xmlns:a="http://schemas.openxmlformats.org/drawingml/2006/main" xmlns:r="http://schemas.openxmlformats.org/officeDocument/2006/relationships" xmlns:p="http://schemas.openxmlformats.org/presentationml/2006/main">
+  <p:cSld>
+    <p:spTree>
+      <p:nvGrpSpPr>
+        <p:cNvPr id="1" name=""/>
+        <p:cNvGrpSpPr/>
+        <p:nvPr/>
+      </p:nvGrpSpPr>
+      <p:grpSpPr>
+        <a:xfrm>
+          <a:off x="0" y="0"/>
+          <a:ext cx="0" cy="0"/>
+          <a:chOff x="0" y="0"/>
+          <a:chExt cx="0" cy="0"/>
+        </a:xfrm>
+      </p:grpSpPr>
+      <p:sp>
+        <p:nvSpPr>
+          <p:cNvPr id="2" name="ตัวยึดรูปบนภาพนิ่ง 1"/>
+          <p:cNvSpPr>
+            <a:spLocks noGrp="1" noRot="1" noChangeAspect="1"/>
+          </p:cNvSpPr>
+          <p:nvPr>
+            <p:ph type="sldImg"/>
+          </p:nvPr>
+        </p:nvSpPr>
+        <p:spPr/>
+      </p:sp>
+      <p:sp>
+        <p:nvSpPr>
+          <p:cNvPr id="3" name="ตัวยึดบันทึกย่อ 2"/>
+          <p:cNvSpPr>
+            <a:spLocks noGrp="1"/>
+          </p:cNvSpPr>
+          <p:nvPr>
+            <p:ph type="body" idx="1"/>
+          </p:nvPr>
+        </p:nvSpPr>
+        <p:spPr/>
+        <p:txBody>
+          <a:bodyPr>
+            <a:normAutofit/>
+          </a:bodyPr>
+          <a:lstStyle/>
+          <a:p>
+            <a:endParaRPr lang="th-TH"/>
+          </a:p>
+        </p:txBody>
+      </p:sp>
+      <p:sp>
+        <p:nvSpPr>
+          <p:cNvPr id="4" name="ตัวยึดหมายเลขภาพนิ่ง 3"/>
+          <p:cNvSpPr>
+            <a:spLocks noGrp="1"/>
+          </p:cNvSpPr>
+          <p:nvPr>
+            <p:ph type="sldNum" sz="quarter" idx="10"/>
+          </p:nvPr>
+        </p:nvSpPr>
+        <p:spPr/>
+        <p:txBody>
+          <a:bodyPr/>
+          <a:lstStyle/>
+          <a:p>
+            <a:fld id="{DADF16B9-0908-4A34-B580-FE20BE9B9A7E}" type="slidenum">
+              <a:rPr lang="th-TH" smtClean="0"/>
+              <a:t>17</a:t>
+            </a:fld>
+            <a:endParaRPr lang="th-TH"/>
+          </a:p>
+        </p:txBody>
+      </p:sp>
+    </p:spTree>
+  </p:cSld>
+  <p:clrMapOvr>
+    <a:masterClrMapping/>
+  </p:clrMapOvr>
+</p:notes>
+</file>
+
+<file path=ppt/notesSlides/notesSlide18.xml><?xml version="1.0" encoding="utf-8"?>
+<p:notes xmlns:a="http://schemas.openxmlformats.org/drawingml/2006/main" xmlns:r="http://schemas.openxmlformats.org/officeDocument/2006/relationships" xmlns:p="http://schemas.openxmlformats.org/presentationml/2006/main">
+  <p:cSld>
+    <p:spTree>
+      <p:nvGrpSpPr>
+        <p:cNvPr id="1" name=""/>
+        <p:cNvGrpSpPr/>
+        <p:nvPr/>
+      </p:nvGrpSpPr>
+      <p:grpSpPr>
+        <a:xfrm>
+          <a:off x="0" y="0"/>
+          <a:ext cx="0" cy="0"/>
+          <a:chOff x="0" y="0"/>
+          <a:chExt cx="0" cy="0"/>
+        </a:xfrm>
+      </p:grpSpPr>
+      <p:sp>
+        <p:nvSpPr>
+          <p:cNvPr id="2" name="ตัวยึดรูปบนภาพนิ่ง 1"/>
+          <p:cNvSpPr>
+            <a:spLocks noGrp="1" noRot="1" noChangeAspect="1"/>
+          </p:cNvSpPr>
+          <p:nvPr>
+            <p:ph type="sldImg"/>
+          </p:nvPr>
+        </p:nvSpPr>
+        <p:spPr/>
+      </p:sp>
+      <p:sp>
+        <p:nvSpPr>
+          <p:cNvPr id="3" name="ตัวยึดบันทึกย่อ 2"/>
+          <p:cNvSpPr>
+            <a:spLocks noGrp="1"/>
+          </p:cNvSpPr>
+          <p:nvPr>
+            <p:ph type="body" idx="1"/>
+          </p:nvPr>
+        </p:nvSpPr>
+        <p:spPr/>
+        <p:txBody>
+          <a:bodyPr>
+            <a:normAutofit/>
+          </a:bodyPr>
+          <a:lstStyle/>
+          <a:p>
+            <a:endParaRPr lang="th-TH"/>
+          </a:p>
+        </p:txBody>
+      </p:sp>
+      <p:sp>
+        <p:nvSpPr>
+          <p:cNvPr id="4" name="ตัวยึดหมายเลขภาพนิ่ง 3"/>
+          <p:cNvSpPr>
+            <a:spLocks noGrp="1"/>
+          </p:cNvSpPr>
+          <p:nvPr>
+            <p:ph type="sldNum" sz="quarter" idx="10"/>
+          </p:nvPr>
+        </p:nvSpPr>
+        <p:spPr/>
+        <p:txBody>
+          <a:bodyPr/>
+          <a:lstStyle/>
+          <a:p>
+            <a:fld id="{DADF16B9-0908-4A34-B580-FE20BE9B9A7E}" type="slidenum">
+              <a:rPr lang="th-TH" smtClean="0"/>
+              <a:t>18</a:t>
+            </a:fld>
+            <a:endParaRPr lang="th-TH"/>
+          </a:p>
+        </p:txBody>
+      </p:sp>
+    </p:spTree>
+  </p:cSld>
+  <p:clrMapOvr>
+    <a:masterClrMapping/>
+  </p:clrMapOvr>
+</p:notes>
+</file>
+
+<file path=ppt/notesSlides/notesSlide19.xml><?xml version="1.0" encoding="utf-8"?>
+<p:notes xmlns:a="http://schemas.openxmlformats.org/drawingml/2006/main" xmlns:r="http://schemas.openxmlformats.org/officeDocument/2006/relationships" xmlns:p="http://schemas.openxmlformats.org/presentationml/2006/main">
+  <p:cSld>
+    <p:spTree>
+      <p:nvGrpSpPr>
+        <p:cNvPr id="1" name=""/>
+        <p:cNvGrpSpPr/>
+        <p:nvPr/>
+      </p:nvGrpSpPr>
+      <p:grpSpPr>
+        <a:xfrm>
+          <a:off x="0" y="0"/>
+          <a:ext cx="0" cy="0"/>
+          <a:chOff x="0" y="0"/>
+          <a:chExt cx="0" cy="0"/>
+        </a:xfrm>
+      </p:grpSpPr>
+      <p:sp>
+        <p:nvSpPr>
+          <p:cNvPr id="2" name="ตัวยึดรูปบนภาพนิ่ง 1"/>
+          <p:cNvSpPr>
+            <a:spLocks noGrp="1" noRot="1" noChangeAspect="1"/>
+          </p:cNvSpPr>
+          <p:nvPr>
+            <p:ph type="sldImg"/>
+          </p:nvPr>
+        </p:nvSpPr>
+        <p:spPr/>
+      </p:sp>
+      <p:sp>
+        <p:nvSpPr>
+          <p:cNvPr id="3" name="ตัวยึดบันทึกย่อ 2"/>
+          <p:cNvSpPr>
+            <a:spLocks noGrp="1"/>
+          </p:cNvSpPr>
+          <p:nvPr>
+            <p:ph type="body" idx="1"/>
+          </p:nvPr>
+        </p:nvSpPr>
+        <p:spPr/>
+        <p:txBody>
+          <a:bodyPr>
+            <a:normAutofit/>
+          </a:bodyPr>
+          <a:lstStyle/>
+          <a:p>
+            <a:endParaRPr lang="th-TH"/>
+          </a:p>
+        </p:txBody>
+      </p:sp>
+      <p:sp>
+        <p:nvSpPr>
+          <p:cNvPr id="4" name="ตัวยึดหมายเลขภาพนิ่ง 3"/>
+          <p:cNvSpPr>
+            <a:spLocks noGrp="1"/>
+          </p:cNvSpPr>
+          <p:nvPr>
+            <p:ph type="sldNum" sz="quarter" idx="10"/>
+          </p:nvPr>
+        </p:nvSpPr>
+        <p:spPr/>
+        <p:txBody>
+          <a:bodyPr/>
+          <a:lstStyle/>
+          <a:p>
+            <a:fld id="{DADF16B9-0908-4A34-B580-FE20BE9B9A7E}" type="slidenum">
+              <a:rPr lang="th-TH" smtClean="0"/>
+              <a:t>19</a:t>
+            </a:fld>
+            <a:endParaRPr lang="th-TH"/>
+          </a:p>
+        </p:txBody>
+      </p:sp>
+    </p:spTree>
+  </p:cSld>
+  <p:clrMapOvr>
+    <a:masterClrMapping/>
+  </p:clrMapOvr>
+</p:notes>
+</file>
+
+<file path=ppt/notesSlides/notesSlide2.xml><?xml version="1.0" encoding="utf-8"?>
+<p:notes xmlns:a="http://schemas.openxmlformats.org/drawingml/2006/main" xmlns:r="http://schemas.openxmlformats.org/officeDocument/2006/relationships" xmlns:p="http://schemas.openxmlformats.org/presentationml/2006/main">
+  <p:cSld>
+    <p:spTree>
+      <p:nvGrpSpPr>
+        <p:cNvPr id="1" name=""/>
+        <p:cNvGrpSpPr/>
+        <p:nvPr/>
+      </p:nvGrpSpPr>
+      <p:grpSpPr>
+        <a:xfrm>
+          <a:off x="0" y="0"/>
+          <a:ext cx="0" cy="0"/>
+          <a:chOff x="0" y="0"/>
+          <a:chExt cx="0" cy="0"/>
+        </a:xfrm>
+      </p:grpSpPr>
+      <p:sp>
+        <p:nvSpPr>
+          <p:cNvPr id="2" name="ตัวยึดรูปบนภาพนิ่ง 1"/>
+          <p:cNvSpPr>
+            <a:spLocks noGrp="1" noRot="1" noChangeAspect="1"/>
+          </p:cNvSpPr>
+          <p:nvPr>
+            <p:ph type="sldImg"/>
+          </p:nvPr>
+        </p:nvSpPr>
+        <p:spPr/>
+      </p:sp>
+      <p:sp>
+        <p:nvSpPr>
+          <p:cNvPr id="3" name="ตัวยึดบันทึกย่อ 2"/>
+          <p:cNvSpPr>
+            <a:spLocks noGrp="1"/>
+          </p:cNvSpPr>
+          <p:nvPr>
+            <p:ph type="body" idx="1"/>
+          </p:nvPr>
+        </p:nvSpPr>
+        <p:spPr/>
+        <p:txBody>
+          <a:bodyPr>
+            <a:normAutofit/>
+          </a:bodyPr>
+          <a:lstStyle/>
+          <a:p>
+            <a:endParaRPr lang="th-TH"/>
+          </a:p>
+        </p:txBody>
+      </p:sp>
+      <p:sp>
+        <p:nvSpPr>
+          <p:cNvPr id="4" name="ตัวยึดหมายเลขภาพนิ่ง 3"/>
+          <p:cNvSpPr>
+            <a:spLocks noGrp="1"/>
+          </p:cNvSpPr>
+          <p:nvPr>
+            <p:ph type="sldNum" sz="quarter" idx="10"/>
+          </p:nvPr>
+        </p:nvSpPr>
+        <p:spPr/>
+        <p:txBody>
+          <a:bodyPr/>
+          <a:lstStyle/>
+          <a:p>
+            <a:fld id="{DADF16B9-0908-4A34-B580-FE20BE9B9A7E}" type="slidenum">
+              <a:rPr lang="th-TH" smtClean="0"/>
+              <a:t>2</a:t>
+            </a:fld>
+            <a:endParaRPr lang="th-TH"/>
+          </a:p>
+        </p:txBody>
+      </p:sp>
+    </p:spTree>
+  </p:cSld>
+  <p:clrMapOvr>
+    <a:masterClrMapping/>
+  </p:clrMapOvr>
+</p:notes>
+</file>
+
+<file path=ppt/notesSlides/notesSlide20.xml><?xml version="1.0" encoding="utf-8"?>
+<p:notes xmlns:a="http://schemas.openxmlformats.org/drawingml/2006/main" xmlns:r="http://schemas.openxmlformats.org/officeDocument/2006/relationships" xmlns:p="http://schemas.openxmlformats.org/presentationml/2006/main">
+  <p:cSld>
+    <p:spTree>
+      <p:nvGrpSpPr>
+        <p:cNvPr id="1" name=""/>
+        <p:cNvGrpSpPr/>
+        <p:nvPr/>
+      </p:nvGrpSpPr>
+      <p:grpSpPr>
+        <a:xfrm>
+          <a:off x="0" y="0"/>
+          <a:ext cx="0" cy="0"/>
+          <a:chOff x="0" y="0"/>
+          <a:chExt cx="0" cy="0"/>
+        </a:xfrm>
+      </p:grpSpPr>
+      <p:sp>
+        <p:nvSpPr>
+          <p:cNvPr id="2" name="ตัวยึดรูปบนภาพนิ่ง 1"/>
+          <p:cNvSpPr>
+            <a:spLocks noGrp="1" noRot="1" noChangeAspect="1"/>
+          </p:cNvSpPr>
+          <p:nvPr>
+            <p:ph type="sldImg"/>
+          </p:nvPr>
+        </p:nvSpPr>
+        <p:spPr/>
+      </p:sp>
+      <p:sp>
+        <p:nvSpPr>
+          <p:cNvPr id="3" name="ตัวยึดบันทึกย่อ 2"/>
+          <p:cNvSpPr>
+            <a:spLocks noGrp="1"/>
+          </p:cNvSpPr>
+          <p:nvPr>
+            <p:ph type="body" idx="1"/>
+          </p:nvPr>
+        </p:nvSpPr>
+        <p:spPr/>
+        <p:txBody>
+          <a:bodyPr>
+            <a:normAutofit/>
+          </a:bodyPr>
+          <a:lstStyle/>
+          <a:p>
+            <a:endParaRPr lang="th-TH"/>
+          </a:p>
+        </p:txBody>
+      </p:sp>
+      <p:sp>
+        <p:nvSpPr>
+          <p:cNvPr id="4" name="ตัวยึดหมายเลขภาพนิ่ง 3"/>
+          <p:cNvSpPr>
+            <a:spLocks noGrp="1"/>
+          </p:cNvSpPr>
+          <p:nvPr>
+            <p:ph type="sldNum" sz="quarter" idx="10"/>
+          </p:nvPr>
+        </p:nvSpPr>
+        <p:spPr/>
+        <p:txBody>
+          <a:bodyPr/>
+          <a:lstStyle/>
+          <a:p>
+            <a:fld id="{DADF16B9-0908-4A34-B580-FE20BE9B9A7E}" type="slidenum">
+              <a:rPr lang="th-TH" smtClean="0"/>
+              <a:t>20</a:t>
+            </a:fld>
+            <a:endParaRPr lang="th-TH"/>
+          </a:p>
+        </p:txBody>
+      </p:sp>
+    </p:spTree>
+  </p:cSld>
+  <p:clrMapOvr>
+    <a:masterClrMapping/>
+  </p:clrMapOvr>
+</p:notes>
+</file>
+
+<file path=ppt/notesSlides/notesSlide21.xml><?xml version="1.0" encoding="utf-8"?>
+<p:notes xmlns:a="http://schemas.openxmlformats.org/drawingml/2006/main" xmlns:r="http://schemas.openxmlformats.org/officeDocument/2006/relationships" xmlns:p="http://schemas.openxmlformats.org/presentationml/2006/main">
+  <p:cSld>
+    <p:spTree>
+      <p:nvGrpSpPr>
+        <p:cNvPr id="1" name=""/>
+        <p:cNvGrpSpPr/>
+        <p:nvPr/>
+      </p:nvGrpSpPr>
+      <p:grpSpPr>
+        <a:xfrm>
+          <a:off x="0" y="0"/>
+          <a:ext cx="0" cy="0"/>
+          <a:chOff x="0" y="0"/>
+          <a:chExt cx="0" cy="0"/>
+        </a:xfrm>
+      </p:grpSpPr>
+      <p:sp>
+        <p:nvSpPr>
+          <p:cNvPr id="2" name="ตัวยึดรูปบนภาพนิ่ง 1"/>
+          <p:cNvSpPr>
+            <a:spLocks noGrp="1" noRot="1" noChangeAspect="1"/>
+          </p:cNvSpPr>
+          <p:nvPr>
+            <p:ph type="sldImg"/>
+          </p:nvPr>
+        </p:nvSpPr>
+        <p:spPr/>
+      </p:sp>
+      <p:sp>
+        <p:nvSpPr>
+          <p:cNvPr id="3" name="ตัวยึดบันทึกย่อ 2"/>
+          <p:cNvSpPr>
+            <a:spLocks noGrp="1"/>
+          </p:cNvSpPr>
+          <p:nvPr>
+            <p:ph type="body" idx="1"/>
+          </p:nvPr>
+        </p:nvSpPr>
+        <p:spPr/>
+        <p:txBody>
+          <a:bodyPr>
+            <a:normAutofit/>
+          </a:bodyPr>
+          <a:lstStyle/>
+          <a:p>
+            <a:endParaRPr lang="th-TH"/>
+          </a:p>
+        </p:txBody>
+      </p:sp>
+      <p:sp>
+        <p:nvSpPr>
+          <p:cNvPr id="4" name="ตัวยึดหมายเลขภาพนิ่ง 3"/>
+          <p:cNvSpPr>
+            <a:spLocks noGrp="1"/>
+          </p:cNvSpPr>
+          <p:nvPr>
+            <p:ph type="sldNum" sz="quarter" idx="10"/>
+          </p:nvPr>
+        </p:nvSpPr>
+        <p:spPr/>
+        <p:txBody>
+          <a:bodyPr/>
+          <a:lstStyle/>
+          <a:p>
+            <a:fld id="{DADF16B9-0908-4A34-B580-FE20BE9B9A7E}" type="slidenum">
+              <a:rPr lang="th-TH" smtClean="0"/>
+              <a:t>21</a:t>
+            </a:fld>
+            <a:endParaRPr lang="th-TH"/>
+          </a:p>
+        </p:txBody>
+      </p:sp>
+    </p:spTree>
+  </p:cSld>
+  <p:clrMapOvr>
+    <a:masterClrMapping/>
+  </p:clrMapOvr>
+</p:notes>
+</file>
+
+<file path=ppt/notesSlides/notesSlide22.xml><?xml version="1.0" encoding="utf-8"?>
+<p:notes xmlns:a="http://schemas.openxmlformats.org/drawingml/2006/main" xmlns:r="http://schemas.openxmlformats.org/officeDocument/2006/relationships" xmlns:p="http://schemas.openxmlformats.org/presentationml/2006/main">
+  <p:cSld>
+    <p:spTree>
+      <p:nvGrpSpPr>
+        <p:cNvPr id="1" name=""/>
+        <p:cNvGrpSpPr/>
+        <p:nvPr/>
+      </p:nvGrpSpPr>
+      <p:grpSpPr>
+        <a:xfrm>
+          <a:off x="0" y="0"/>
+          <a:ext cx="0" cy="0"/>
+          <a:chOff x="0" y="0"/>
+          <a:chExt cx="0" cy="0"/>
+        </a:xfrm>
+      </p:grpSpPr>
+      <p:sp>
+        <p:nvSpPr>
+          <p:cNvPr id="2" name="ตัวยึดรูปบนภาพนิ่ง 1"/>
+          <p:cNvSpPr>
+            <a:spLocks noGrp="1" noRot="1" noChangeAspect="1"/>
+          </p:cNvSpPr>
+          <p:nvPr>
+            <p:ph type="sldImg"/>
+          </p:nvPr>
+        </p:nvSpPr>
+        <p:spPr/>
+      </p:sp>
+      <p:sp>
+        <p:nvSpPr>
+          <p:cNvPr id="3" name="ตัวยึดบันทึกย่อ 2"/>
+          <p:cNvSpPr>
+            <a:spLocks noGrp="1"/>
+          </p:cNvSpPr>
+          <p:nvPr>
+            <p:ph type="body" idx="1"/>
+          </p:nvPr>
+        </p:nvSpPr>
+        <p:spPr/>
+        <p:txBody>
+          <a:bodyPr>
+            <a:normAutofit/>
+          </a:bodyPr>
+          <a:lstStyle/>
+          <a:p>
+            <a:endParaRPr lang="th-TH"/>
+          </a:p>
+        </p:txBody>
+      </p:sp>
+      <p:sp>
+        <p:nvSpPr>
+          <p:cNvPr id="4" name="ตัวยึดหมายเลขภาพนิ่ง 3"/>
+          <p:cNvSpPr>
+            <a:spLocks noGrp="1"/>
+          </p:cNvSpPr>
+          <p:nvPr>
+            <p:ph type="sldNum" sz="quarter" idx="10"/>
+          </p:nvPr>
+        </p:nvSpPr>
+        <p:spPr/>
+        <p:txBody>
+          <a:bodyPr/>
+          <a:lstStyle/>
+          <a:p>
+            <a:fld id="{DADF16B9-0908-4A34-B580-FE20BE9B9A7E}" type="slidenum">
+              <a:rPr lang="th-TH" smtClean="0"/>
+              <a:t>22</a:t>
+            </a:fld>
+            <a:endParaRPr lang="th-TH"/>
+          </a:p>
+        </p:txBody>
+      </p:sp>
+    </p:spTree>
+  </p:cSld>
+  <p:clrMapOvr>
+    <a:masterClrMapping/>
+  </p:clrMapOvr>
+</p:notes>
+</file>
+
+<file path=ppt/notesSlides/notesSlide23.xml><?xml version="1.0" encoding="utf-8"?>
+<p:notes xmlns:a="http://schemas.openxmlformats.org/drawingml/2006/main" xmlns:r="http://schemas.openxmlformats.org/officeDocument/2006/relationships" xmlns:p="http://schemas.openxmlformats.org/presentationml/2006/main">
+  <p:cSld>
+    <p:spTree>
+      <p:nvGrpSpPr>
+        <p:cNvPr id="1" name=""/>
+        <p:cNvGrpSpPr/>
+        <p:nvPr/>
+      </p:nvGrpSpPr>
+      <p:grpSpPr>
+        <a:xfrm>
+          <a:off x="0" y="0"/>
+          <a:ext cx="0" cy="0"/>
+          <a:chOff x="0" y="0"/>
+          <a:chExt cx="0" cy="0"/>
+        </a:xfrm>
+      </p:grpSpPr>
+      <p:sp>
+        <p:nvSpPr>
+          <p:cNvPr id="2" name="ตัวยึดรูปบนภาพนิ่ง 1"/>
+          <p:cNvSpPr>
+            <a:spLocks noGrp="1" noRot="1" noChangeAspect="1"/>
+          </p:cNvSpPr>
+          <p:nvPr>
+            <p:ph type="sldImg"/>
+          </p:nvPr>
+        </p:nvSpPr>
+        <p:spPr/>
+      </p:sp>
+      <p:sp>
+        <p:nvSpPr>
+          <p:cNvPr id="3" name="ตัวยึดบันทึกย่อ 2"/>
+          <p:cNvSpPr>
+            <a:spLocks noGrp="1"/>
+          </p:cNvSpPr>
+          <p:nvPr>
+            <p:ph type="body" idx="1"/>
+          </p:nvPr>
+        </p:nvSpPr>
+        <p:spPr/>
+        <p:txBody>
+          <a:bodyPr>
+            <a:normAutofit/>
+          </a:bodyPr>
+          <a:lstStyle/>
+          <a:p>
+            <a:endParaRPr lang="th-TH"/>
+          </a:p>
+        </p:txBody>
+      </p:sp>
+      <p:sp>
+        <p:nvSpPr>
+          <p:cNvPr id="4" name="ตัวยึดหมายเลขภาพนิ่ง 3"/>
+          <p:cNvSpPr>
+            <a:spLocks noGrp="1"/>
+          </p:cNvSpPr>
+          <p:nvPr>
+            <p:ph type="sldNum" sz="quarter" idx="10"/>
+          </p:nvPr>
+        </p:nvSpPr>
+        <p:spPr/>
+        <p:txBody>
+          <a:bodyPr/>
+          <a:lstStyle/>
+          <a:p>
+            <a:fld id="{DADF16B9-0908-4A34-B580-FE20BE9B9A7E}" type="slidenum">
+              <a:rPr lang="th-TH" smtClean="0"/>
+              <a:t>23</a:t>
+            </a:fld>
+            <a:endParaRPr lang="th-TH"/>
+          </a:p>
+        </p:txBody>
+      </p:sp>
+    </p:spTree>
+  </p:cSld>
+  <p:clrMapOvr>
+    <a:masterClrMapping/>
+  </p:clrMapOvr>
+</p:notes>
+</file>
+
+<file path=ppt/notesSlides/notesSlide24.xml><?xml version="1.0" encoding="utf-8"?>
+<p:notes xmlns:a="http://schemas.openxmlformats.org/drawingml/2006/main" xmlns:r="http://schemas.openxmlformats.org/officeDocument/2006/relationships" xmlns:p="http://schemas.openxmlformats.org/presentationml/2006/main">
+  <p:cSld>
+    <p:spTree>
+      <p:nvGrpSpPr>
+        <p:cNvPr id="1" name=""/>
+        <p:cNvGrpSpPr/>
+        <p:nvPr/>
+      </p:nvGrpSpPr>
+      <p:grpSpPr>
+        <a:xfrm>
+          <a:off x="0" y="0"/>
+          <a:ext cx="0" cy="0"/>
+          <a:chOff x="0" y="0"/>
+          <a:chExt cx="0" cy="0"/>
+        </a:xfrm>
+      </p:grpSpPr>
+      <p:sp>
+        <p:nvSpPr>
+          <p:cNvPr id="2" name="ตัวยึดรูปบนภาพนิ่ง 1"/>
+          <p:cNvSpPr>
+            <a:spLocks noGrp="1" noRot="1" noChangeAspect="1"/>
+          </p:cNvSpPr>
+          <p:nvPr>
+            <p:ph type="sldImg"/>
+          </p:nvPr>
+        </p:nvSpPr>
+        <p:spPr/>
+      </p:sp>
+      <p:sp>
+        <p:nvSpPr>
+          <p:cNvPr id="3" name="ตัวยึดบันทึกย่อ 2"/>
+          <p:cNvSpPr>
+            <a:spLocks noGrp="1"/>
+          </p:cNvSpPr>
+          <p:nvPr>
+            <p:ph type="body" idx="1"/>
+          </p:nvPr>
+        </p:nvSpPr>
+        <p:spPr/>
+        <p:txBody>
+          <a:bodyPr>
+            <a:normAutofit/>
+          </a:bodyPr>
+          <a:lstStyle/>
+          <a:p>
+            <a:endParaRPr lang="th-TH"/>
+          </a:p>
+        </p:txBody>
+      </p:sp>
+      <p:sp>
+        <p:nvSpPr>
+          <p:cNvPr id="4" name="ตัวยึดหมายเลขภาพนิ่ง 3"/>
+          <p:cNvSpPr>
+            <a:spLocks noGrp="1"/>
+          </p:cNvSpPr>
+          <p:nvPr>
+            <p:ph type="sldNum" sz="quarter" idx="10"/>
+          </p:nvPr>
+        </p:nvSpPr>
+        <p:spPr/>
+        <p:txBody>
+          <a:bodyPr/>
+          <a:lstStyle/>
+          <a:p>
+            <a:fld id="{DADF16B9-0908-4A34-B580-FE20BE9B9A7E}" type="slidenum">
+              <a:rPr lang="th-TH" smtClean="0"/>
+              <a:t>24</a:t>
+            </a:fld>
+            <a:endParaRPr lang="th-TH"/>
+          </a:p>
+        </p:txBody>
+      </p:sp>
+    </p:spTree>
+  </p:cSld>
+  <p:clrMapOvr>
+    <a:masterClrMapping/>
+  </p:clrMapOvr>
+</p:notes>
+</file>
+
+<file path=ppt/notesSlides/notesSlide25.xml><?xml version="1.0" encoding="utf-8"?>
+<p:notes xmlns:a="http://schemas.openxmlformats.org/drawingml/2006/main" xmlns:r="http://schemas.openxmlformats.org/officeDocument/2006/relationships" xmlns:p="http://schemas.openxmlformats.org/presentationml/2006/main">
+  <p:cSld>
+    <p:spTree>
+      <p:nvGrpSpPr>
+        <p:cNvPr id="1" name=""/>
+        <p:cNvGrpSpPr/>
+        <p:nvPr/>
+      </p:nvGrpSpPr>
+      <p:grpSpPr>
+        <a:xfrm>
+          <a:off x="0" y="0"/>
+          <a:ext cx="0" cy="0"/>
+          <a:chOff x="0" y="0"/>
+          <a:chExt cx="0" cy="0"/>
+        </a:xfrm>
+      </p:grpSpPr>
+      <p:sp>
+        <p:nvSpPr>
+          <p:cNvPr id="2" name="ตัวยึดรูปบนภาพนิ่ง 1"/>
+          <p:cNvSpPr>
+            <a:spLocks noGrp="1" noRot="1" noChangeAspect="1"/>
+          </p:cNvSpPr>
+          <p:nvPr>
+            <p:ph type="sldImg"/>
+          </p:nvPr>
+        </p:nvSpPr>
+        <p:spPr/>
+      </p:sp>
+      <p:sp>
+        <p:nvSpPr>
+          <p:cNvPr id="3" name="ตัวยึดบันทึกย่อ 2"/>
+          <p:cNvSpPr>
+            <a:spLocks noGrp="1"/>
+          </p:cNvSpPr>
+          <p:nvPr>
+            <p:ph type="body" idx="1"/>
+          </p:nvPr>
+        </p:nvSpPr>
+        <p:spPr/>
+        <p:txBody>
+          <a:bodyPr>
+            <a:normAutofit/>
+          </a:bodyPr>
+          <a:lstStyle/>
+          <a:p>
+            <a:endParaRPr lang="th-TH"/>
+          </a:p>
+        </p:txBody>
+      </p:sp>
+      <p:sp>
+        <p:nvSpPr>
+          <p:cNvPr id="4" name="ตัวยึดหมายเลขภาพนิ่ง 3"/>
+          <p:cNvSpPr>
+            <a:spLocks noGrp="1"/>
+          </p:cNvSpPr>
+          <p:nvPr>
+            <p:ph type="sldNum" sz="quarter" idx="10"/>
+          </p:nvPr>
+        </p:nvSpPr>
+        <p:spPr/>
+        <p:txBody>
+          <a:bodyPr/>
+          <a:lstStyle/>
+          <a:p>
+            <a:fld id="{DADF16B9-0908-4A34-B580-FE20BE9B9A7E}" type="slidenum">
+              <a:rPr lang="th-TH" smtClean="0"/>
+              <a:t>25</a:t>
+            </a:fld>
+            <a:endParaRPr lang="th-TH"/>
+          </a:p>
+        </p:txBody>
+      </p:sp>
+    </p:spTree>
+  </p:cSld>
+  <p:clrMapOvr>
+    <a:masterClrMapping/>
+  </p:clrMapOvr>
+</p:notes>
+</file>
+
+<file path=ppt/notesSlides/notesSlide26.xml><?xml version="1.0" encoding="utf-8"?>
+<p:notes xmlns:a="http://schemas.openxmlformats.org/drawingml/2006/main" xmlns:r="http://schemas.openxmlformats.org/officeDocument/2006/relationships" xmlns:p="http://schemas.openxmlformats.org/presentationml/2006/main">
+  <p:cSld>
+    <p:spTree>
+      <p:nvGrpSpPr>
+        <p:cNvPr id="1" name=""/>
+        <p:cNvGrpSpPr/>
+        <p:nvPr/>
+      </p:nvGrpSpPr>
+      <p:grpSpPr>
+        <a:xfrm>
+          <a:off x="0" y="0"/>
+          <a:ext cx="0" cy="0"/>
+          <a:chOff x="0" y="0"/>
+          <a:chExt cx="0" cy="0"/>
+        </a:xfrm>
+      </p:grpSpPr>
+      <p:sp>
+        <p:nvSpPr>
+          <p:cNvPr id="2" name="ตัวยึดรูปบนภาพนิ่ง 1"/>
+          <p:cNvSpPr>
+            <a:spLocks noGrp="1" noRot="1" noChangeAspect="1"/>
+          </p:cNvSpPr>
+          <p:nvPr>
+            <p:ph type="sldImg"/>
+          </p:nvPr>
+        </p:nvSpPr>
+        <p:spPr/>
+      </p:sp>
+      <p:sp>
+        <p:nvSpPr>
+          <p:cNvPr id="3" name="ตัวยึดบันทึกย่อ 2"/>
+          <p:cNvSpPr>
+            <a:spLocks noGrp="1"/>
+          </p:cNvSpPr>
+          <p:nvPr>
+            <p:ph type="body" idx="1"/>
+          </p:nvPr>
+        </p:nvSpPr>
+        <p:spPr/>
+        <p:txBody>
+          <a:bodyPr>
+            <a:normAutofit/>
+          </a:bodyPr>
+          <a:lstStyle/>
+          <a:p>
+            <a:endParaRPr lang="th-TH"/>
+          </a:p>
+        </p:txBody>
+      </p:sp>
+      <p:sp>
+        <p:nvSpPr>
+          <p:cNvPr id="4" name="ตัวยึดหมายเลขภาพนิ่ง 3"/>
+          <p:cNvSpPr>
+            <a:spLocks noGrp="1"/>
+          </p:cNvSpPr>
+          <p:nvPr>
+            <p:ph type="sldNum" sz="quarter" idx="10"/>
+          </p:nvPr>
+        </p:nvSpPr>
+        <p:spPr/>
+        <p:txBody>
+          <a:bodyPr/>
+          <a:lstStyle/>
+          <a:p>
+            <a:fld id="{DADF16B9-0908-4A34-B580-FE20BE9B9A7E}" type="slidenum">
+              <a:rPr lang="th-TH" smtClean="0"/>
+              <a:t>26</a:t>
+            </a:fld>
+            <a:endParaRPr lang="th-TH"/>
+          </a:p>
+        </p:txBody>
+      </p:sp>
+    </p:spTree>
+  </p:cSld>
+  <p:clrMapOvr>
+    <a:masterClrMapping/>
+  </p:clrMapOvr>
+</p:notes>
+</file>
+
+<file path=ppt/notesSlides/notesSlide27.xml><?xml version="1.0" encoding="utf-8"?>
+<p:notes xmlns:a="http://schemas.openxmlformats.org/drawingml/2006/main" xmlns:r="http://schemas.openxmlformats.org/officeDocument/2006/relationships" xmlns:p="http://schemas.openxmlformats.org/presentationml/2006/main">
+  <p:cSld>
+    <p:spTree>
+      <p:nvGrpSpPr>
+        <p:cNvPr id="1" name=""/>
+        <p:cNvGrpSpPr/>
+        <p:nvPr/>
+      </p:nvGrpSpPr>
+      <p:grpSpPr>
+        <a:xfrm>
+          <a:off x="0" y="0"/>
+          <a:ext cx="0" cy="0"/>
+          <a:chOff x="0" y="0"/>
+          <a:chExt cx="0" cy="0"/>
+        </a:xfrm>
+      </p:grpSpPr>
+      <p:sp>
+        <p:nvSpPr>
+          <p:cNvPr id="2" name="ตัวยึดรูปบนภาพนิ่ง 1"/>
+          <p:cNvSpPr>
+            <a:spLocks noGrp="1" noRot="1" noChangeAspect="1"/>
+          </p:cNvSpPr>
+          <p:nvPr>
+            <p:ph type="sldImg"/>
+          </p:nvPr>
+        </p:nvSpPr>
+        <p:spPr/>
+      </p:sp>
+      <p:sp>
+        <p:nvSpPr>
+          <p:cNvPr id="3" name="ตัวยึดบันทึกย่อ 2"/>
+          <p:cNvSpPr>
+            <a:spLocks noGrp="1"/>
+          </p:cNvSpPr>
+          <p:nvPr>
+            <p:ph type="body" idx="1"/>
+          </p:nvPr>
+        </p:nvSpPr>
+        <p:spPr/>
+        <p:txBody>
+          <a:bodyPr>
+            <a:normAutofit/>
+          </a:bodyPr>
+          <a:lstStyle/>
+          <a:p>
+            <a:endParaRPr lang="th-TH"/>
+          </a:p>
+        </p:txBody>
+      </p:sp>
+      <p:sp>
+        <p:nvSpPr>
+          <p:cNvPr id="4" name="ตัวยึดหมายเลขภาพนิ่ง 3"/>
+          <p:cNvSpPr>
+            <a:spLocks noGrp="1"/>
+          </p:cNvSpPr>
+          <p:nvPr>
+            <p:ph type="sldNum" sz="quarter" idx="10"/>
+          </p:nvPr>
+        </p:nvSpPr>
+        <p:spPr/>
+        <p:txBody>
+          <a:bodyPr/>
+          <a:lstStyle/>
+          <a:p>
+            <a:fld id="{DADF16B9-0908-4A34-B580-FE20BE9B9A7E}" type="slidenum">
+              <a:rPr lang="th-TH" smtClean="0"/>
+              <a:t>27</a:t>
+            </a:fld>
+            <a:endParaRPr lang="th-TH"/>
+          </a:p>
+        </p:txBody>
+      </p:sp>
+    </p:spTree>
+  </p:cSld>
+  <p:clrMapOvr>
+    <a:masterClrMapping/>
+  </p:clrMapOvr>
+</p:notes>
+</file>
+
+<file path=ppt/notesSlides/notesSlide28.xml><?xml version="1.0" encoding="utf-8"?>
+<p:notes xmlns:a="http://schemas.openxmlformats.org/drawingml/2006/main" xmlns:r="http://schemas.openxmlformats.org/officeDocument/2006/relationships" xmlns:p="http://schemas.openxmlformats.org/presentationml/2006/main">
+  <p:cSld>
+    <p:spTree>
+      <p:nvGrpSpPr>
+        <p:cNvPr id="1" name=""/>
+        <p:cNvGrpSpPr/>
+        <p:nvPr/>
+      </p:nvGrpSpPr>
+      <p:grpSpPr>
+        <a:xfrm>
+          <a:off x="0" y="0"/>
+          <a:ext cx="0" cy="0"/>
+          <a:chOff x="0" y="0"/>
+          <a:chExt cx="0" cy="0"/>
+        </a:xfrm>
+      </p:grpSpPr>
+      <p:sp>
+        <p:nvSpPr>
+          <p:cNvPr id="2" name="ตัวยึดรูปบนภาพนิ่ง 1"/>
+          <p:cNvSpPr>
+            <a:spLocks noGrp="1" noRot="1" noChangeAspect="1"/>
+          </p:cNvSpPr>
+          <p:nvPr>
+            <p:ph type="sldImg"/>
+          </p:nvPr>
+        </p:nvSpPr>
+        <p:spPr/>
+      </p:sp>
+      <p:sp>
+        <p:nvSpPr>
+          <p:cNvPr id="3" name="ตัวยึดบันทึกย่อ 2"/>
+          <p:cNvSpPr>
+            <a:spLocks noGrp="1"/>
+          </p:cNvSpPr>
+          <p:nvPr>
+            <p:ph type="body" idx="1"/>
+          </p:nvPr>
+        </p:nvSpPr>
+        <p:spPr/>
+        <p:txBody>
+          <a:bodyPr>
+            <a:normAutofit/>
+          </a:bodyPr>
+          <a:lstStyle/>
+          <a:p>
+            <a:endParaRPr lang="th-TH"/>
+          </a:p>
+        </p:txBody>
+      </p:sp>
+      <p:sp>
+        <p:nvSpPr>
+          <p:cNvPr id="4" name="ตัวยึดหมายเลขภาพนิ่ง 3"/>
+          <p:cNvSpPr>
+            <a:spLocks noGrp="1"/>
+          </p:cNvSpPr>
+          <p:nvPr>
+            <p:ph type="sldNum" sz="quarter" idx="10"/>
+          </p:nvPr>
+        </p:nvSpPr>
+        <p:spPr/>
+        <p:txBody>
+          <a:bodyPr/>
+          <a:lstStyle/>
+          <a:p>
+            <a:fld id="{DADF16B9-0908-4A34-B580-FE20BE9B9A7E}" type="slidenum">
+              <a:rPr lang="th-TH" smtClean="0"/>
+              <a:t>28</a:t>
+            </a:fld>
+            <a:endParaRPr lang="th-TH"/>
+          </a:p>
+        </p:txBody>
+      </p:sp>
+    </p:spTree>
+  </p:cSld>
+  <p:clrMapOvr>
+    <a:masterClrMapping/>
+  </p:clrMapOvr>
+</p:notes>
+</file>
+
+<file path=ppt/notesSlides/notesSlide29.xml><?xml version="1.0" encoding="utf-8"?>
+<p:notes xmlns:a="http://schemas.openxmlformats.org/drawingml/2006/main" xmlns:r="http://schemas.openxmlformats.org/officeDocument/2006/relationships" xmlns:p="http://schemas.openxmlformats.org/presentationml/2006/main">
+  <p:cSld>
+    <p:spTree>
+      <p:nvGrpSpPr>
+        <p:cNvPr id="1" name=""/>
+        <p:cNvGrpSpPr/>
+        <p:nvPr/>
+      </p:nvGrpSpPr>
+      <p:grpSpPr>
+        <a:xfrm>
+          <a:off x="0" y="0"/>
+          <a:ext cx="0" cy="0"/>
+          <a:chOff x="0" y="0"/>
+          <a:chExt cx="0" cy="0"/>
+        </a:xfrm>
+      </p:grpSpPr>
+      <p:sp>
+        <p:nvSpPr>
+          <p:cNvPr id="2" name="ตัวยึดรูปบนภาพนิ่ง 1"/>
+          <p:cNvSpPr>
+            <a:spLocks noGrp="1" noRot="1" noChangeAspect="1"/>
+          </p:cNvSpPr>
+          <p:nvPr>
+            <p:ph type="sldImg"/>
+          </p:nvPr>
+        </p:nvSpPr>
+        <p:spPr/>
+      </p:sp>
+      <p:sp>
+        <p:nvSpPr>
+          <p:cNvPr id="3" name="ตัวยึดบันทึกย่อ 2"/>
+          <p:cNvSpPr>
+            <a:spLocks noGrp="1"/>
+          </p:cNvSpPr>
+          <p:nvPr>
+            <p:ph type="body" idx="1"/>
+          </p:nvPr>
+        </p:nvSpPr>
+        <p:spPr/>
+        <p:txBody>
+          <a:bodyPr>
+            <a:normAutofit/>
+          </a:bodyPr>
+          <a:lstStyle/>
+          <a:p>
+            <a:endParaRPr lang="th-TH"/>
+          </a:p>
+        </p:txBody>
+      </p:sp>
+      <p:sp>
+        <p:nvSpPr>
+          <p:cNvPr id="4" name="ตัวยึดหมายเลขภาพนิ่ง 3"/>
+          <p:cNvSpPr>
+            <a:spLocks noGrp="1"/>
+          </p:cNvSpPr>
+          <p:nvPr>
+            <p:ph type="sldNum" sz="quarter" idx="10"/>
+          </p:nvPr>
+        </p:nvSpPr>
+        <p:spPr/>
+        <p:txBody>
+          <a:bodyPr/>
+          <a:lstStyle/>
+          <a:p>
+            <a:fld id="{DADF16B9-0908-4A34-B580-FE20BE9B9A7E}" type="slidenum">
+              <a:rPr lang="th-TH" smtClean="0"/>
+              <a:t>29</a:t>
+            </a:fld>
+            <a:endParaRPr lang="th-TH"/>
+          </a:p>
+        </p:txBody>
+      </p:sp>
+    </p:spTree>
+  </p:cSld>
+  <p:clrMapOvr>
+    <a:masterClrMapping/>
+  </p:clrMapOvr>
+</p:notes>
+</file>
+
+<file path=ppt/notesSlides/notesSlide3.xml><?xml version="1.0" encoding="utf-8"?>
+<p:notes xmlns:a="http://schemas.openxmlformats.org/drawingml/2006/main" xmlns:r="http://schemas.openxmlformats.org/officeDocument/2006/relationships" xmlns:p="http://schemas.openxmlformats.org/presentationml/2006/main">
+  <p:cSld>
+    <p:spTree>
+      <p:nvGrpSpPr>
+        <p:cNvPr id="1" name=""/>
+        <p:cNvGrpSpPr/>
+        <p:nvPr/>
+      </p:nvGrpSpPr>
+      <p:grpSpPr>
+        <a:xfrm>
+          <a:off x="0" y="0"/>
+          <a:ext cx="0" cy="0"/>
+          <a:chOff x="0" y="0"/>
+          <a:chExt cx="0" cy="0"/>
+        </a:xfrm>
+      </p:grpSpPr>
+      <p:sp>
+        <p:nvSpPr>
+          <p:cNvPr id="2" name="ตัวยึดรูปบนภาพนิ่ง 1"/>
+          <p:cNvSpPr>
+            <a:spLocks noGrp="1" noRot="1" noChangeAspect="1"/>
+          </p:cNvSpPr>
+          <p:nvPr>
+            <p:ph type="sldImg"/>
+          </p:nvPr>
+        </p:nvSpPr>
+        <p:spPr/>
+      </p:sp>
+      <p:sp>
+        <p:nvSpPr>
+          <p:cNvPr id="3" name="ตัวยึดบันทึกย่อ 2"/>
+          <p:cNvSpPr>
+            <a:spLocks noGrp="1"/>
+          </p:cNvSpPr>
+          <p:nvPr>
+            <p:ph type="body" idx="1"/>
+          </p:nvPr>
+        </p:nvSpPr>
+        <p:spPr/>
+        <p:txBody>
+          <a:bodyPr>
+            <a:normAutofit/>
+          </a:bodyPr>
+          <a:lstStyle/>
+          <a:p>
+            <a:endParaRPr lang="th-TH"/>
+          </a:p>
+        </p:txBody>
+      </p:sp>
+      <p:sp>
+        <p:nvSpPr>
+          <p:cNvPr id="4" name="ตัวยึดหมายเลขภาพนิ่ง 3"/>
+          <p:cNvSpPr>
+            <a:spLocks noGrp="1"/>
+          </p:cNvSpPr>
+          <p:nvPr>
+            <p:ph type="sldNum" sz="quarter" idx="10"/>
+          </p:nvPr>
+        </p:nvSpPr>
+        <p:spPr/>
+        <p:txBody>
+          <a:bodyPr/>
+          <a:lstStyle/>
+          <a:p>
+            <a:fld id="{DADF16B9-0908-4A34-B580-FE20BE9B9A7E}" type="slidenum">
+              <a:rPr lang="th-TH" smtClean="0"/>
+              <a:t>3</a:t>
+            </a:fld>
+            <a:endParaRPr lang="th-TH"/>
+          </a:p>
+        </p:txBody>
+      </p:sp>
+    </p:spTree>
+  </p:cSld>
+  <p:clrMapOvr>
+    <a:masterClrMapping/>
+  </p:clrMapOvr>
+</p:notes>
+</file>
+
+<file path=ppt/notesSlides/notesSlide30.xml><?xml version="1.0" encoding="utf-8"?>
+<p:notes xmlns:a="http://schemas.openxmlformats.org/drawingml/2006/main" xmlns:r="http://schemas.openxmlformats.org/officeDocument/2006/relationships" xmlns:p="http://schemas.openxmlformats.org/presentationml/2006/main">
+  <p:cSld>
+    <p:spTree>
+      <p:nvGrpSpPr>
+        <p:cNvPr id="1" name=""/>
+        <p:cNvGrpSpPr/>
+        <p:nvPr/>
+      </p:nvGrpSpPr>
+      <p:grpSpPr>
+        <a:xfrm>
+          <a:off x="0" y="0"/>
+          <a:ext cx="0" cy="0"/>
+          <a:chOff x="0" y="0"/>
+          <a:chExt cx="0" cy="0"/>
+        </a:xfrm>
+      </p:grpSpPr>
+      <p:sp>
+        <p:nvSpPr>
+          <p:cNvPr id="2" name="ตัวยึดรูปบนภาพนิ่ง 1"/>
+          <p:cNvSpPr>
+            <a:spLocks noGrp="1" noRot="1" noChangeAspect="1"/>
+          </p:cNvSpPr>
+          <p:nvPr>
+            <p:ph type="sldImg"/>
+          </p:nvPr>
+        </p:nvSpPr>
+        <p:spPr/>
+      </p:sp>
+      <p:sp>
+        <p:nvSpPr>
+          <p:cNvPr id="3" name="ตัวยึดบันทึกย่อ 2"/>
+          <p:cNvSpPr>
+            <a:spLocks noGrp="1"/>
+          </p:cNvSpPr>
+          <p:nvPr>
+            <p:ph type="body" idx="1"/>
+          </p:nvPr>
+        </p:nvSpPr>
+        <p:spPr/>
+        <p:txBody>
+          <a:bodyPr>
+            <a:normAutofit/>
+          </a:bodyPr>
+          <a:lstStyle/>
+          <a:p>
+            <a:endParaRPr lang="th-TH"/>
+          </a:p>
+        </p:txBody>
+      </p:sp>
+      <p:sp>
+        <p:nvSpPr>
+          <p:cNvPr id="4" name="ตัวยึดหมายเลขภาพนิ่ง 3"/>
+          <p:cNvSpPr>
+            <a:spLocks noGrp="1"/>
+          </p:cNvSpPr>
+          <p:nvPr>
+            <p:ph type="sldNum" sz="quarter" idx="10"/>
+          </p:nvPr>
+        </p:nvSpPr>
+        <p:spPr/>
+        <p:txBody>
+          <a:bodyPr/>
+          <a:lstStyle/>
+          <a:p>
+            <a:fld id="{DADF16B9-0908-4A34-B580-FE20BE9B9A7E}" type="slidenum">
+              <a:rPr lang="th-TH" smtClean="0"/>
+              <a:t>30</a:t>
+            </a:fld>
+            <a:endParaRPr lang="th-TH"/>
+          </a:p>
+        </p:txBody>
+      </p:sp>
+    </p:spTree>
+  </p:cSld>
+  <p:clrMapOvr>
+    <a:masterClrMapping/>
+  </p:clrMapOvr>
+</p:notes>
+</file>
+
+<file path=ppt/notesSlides/notesSlide31.xml><?xml version="1.0" encoding="utf-8"?>
+<p:notes xmlns:a="http://schemas.openxmlformats.org/drawingml/2006/main" xmlns:r="http://schemas.openxmlformats.org/officeDocument/2006/relationships" xmlns:p="http://schemas.openxmlformats.org/presentationml/2006/main">
+  <p:cSld>
+    <p:spTree>
+      <p:nvGrpSpPr>
+        <p:cNvPr id="1" name=""/>
+        <p:cNvGrpSpPr/>
+        <p:nvPr/>
+      </p:nvGrpSpPr>
+      <p:grpSpPr>
+        <a:xfrm>
+          <a:off x="0" y="0"/>
+          <a:ext cx="0" cy="0"/>
+          <a:chOff x="0" y="0"/>
+          <a:chExt cx="0" cy="0"/>
+        </a:xfrm>
+      </p:grpSpPr>
+      <p:sp>
+        <p:nvSpPr>
+          <p:cNvPr id="2" name="ตัวยึดรูปบนภาพนิ่ง 1"/>
+          <p:cNvSpPr>
+            <a:spLocks noGrp="1" noRot="1" noChangeAspect="1"/>
+          </p:cNvSpPr>
+          <p:nvPr>
+            <p:ph type="sldImg"/>
+          </p:nvPr>
+        </p:nvSpPr>
+        <p:spPr/>
+      </p:sp>
+      <p:sp>
+        <p:nvSpPr>
+          <p:cNvPr id="3" name="ตัวยึดบันทึกย่อ 2"/>
+          <p:cNvSpPr>
+            <a:spLocks noGrp="1"/>
+          </p:cNvSpPr>
+          <p:nvPr>
+            <p:ph type="body" idx="1"/>
+          </p:nvPr>
+        </p:nvSpPr>
+        <p:spPr/>
+        <p:txBody>
+          <a:bodyPr>
+            <a:normAutofit/>
+          </a:bodyPr>
+          <a:lstStyle/>
+          <a:p>
+            <a:endParaRPr lang="th-TH"/>
+          </a:p>
+        </p:txBody>
+      </p:sp>
+      <p:sp>
+        <p:nvSpPr>
+          <p:cNvPr id="4" name="ตัวยึดหมายเลขภาพนิ่ง 3"/>
+          <p:cNvSpPr>
+            <a:spLocks noGrp="1"/>
+          </p:cNvSpPr>
+          <p:nvPr>
+            <p:ph type="sldNum" sz="quarter" idx="10"/>
+          </p:nvPr>
+        </p:nvSpPr>
+        <p:spPr/>
+        <p:txBody>
+          <a:bodyPr/>
+          <a:lstStyle/>
+          <a:p>
+            <a:fld id="{DADF16B9-0908-4A34-B580-FE20BE9B9A7E}" type="slidenum">
+              <a:rPr lang="th-TH" smtClean="0"/>
+              <a:t>31</a:t>
+            </a:fld>
+            <a:endParaRPr lang="th-TH"/>
+          </a:p>
+        </p:txBody>
+      </p:sp>
+    </p:spTree>
+  </p:cSld>
+  <p:clrMapOvr>
+    <a:masterClrMapping/>
+  </p:clrMapOvr>
+</p:notes>
+</file>
+
+<file path=ppt/notesSlides/notesSlide32.xml><?xml version="1.0" encoding="utf-8"?>
+<p:notes xmlns:a="http://schemas.openxmlformats.org/drawingml/2006/main" xmlns:r="http://schemas.openxmlformats.org/officeDocument/2006/relationships" xmlns:p="http://schemas.openxmlformats.org/presentationml/2006/main">
+  <p:cSld>
+    <p:spTree>
+      <p:nvGrpSpPr>
+        <p:cNvPr id="1" name=""/>
+        <p:cNvGrpSpPr/>
+        <p:nvPr/>
+      </p:nvGrpSpPr>
+      <p:grpSpPr>
+        <a:xfrm>
+          <a:off x="0" y="0"/>
+          <a:ext cx="0" cy="0"/>
+          <a:chOff x="0" y="0"/>
+          <a:chExt cx="0" cy="0"/>
+        </a:xfrm>
+      </p:grpSpPr>
+      <p:sp>
+        <p:nvSpPr>
+          <p:cNvPr id="2" name="ตัวยึดรูปบนภาพนิ่ง 1"/>
+          <p:cNvSpPr>
+            <a:spLocks noGrp="1" noRot="1" noChangeAspect="1"/>
+          </p:cNvSpPr>
+          <p:nvPr>
+            <p:ph type="sldImg"/>
+          </p:nvPr>
+        </p:nvSpPr>
+        <p:spPr/>
+      </p:sp>
+      <p:sp>
+        <p:nvSpPr>
+          <p:cNvPr id="3" name="ตัวยึดบันทึกย่อ 2"/>
+          <p:cNvSpPr>
+            <a:spLocks noGrp="1"/>
+          </p:cNvSpPr>
+          <p:nvPr>
+            <p:ph type="body" idx="1"/>
+          </p:nvPr>
+        </p:nvSpPr>
+        <p:spPr/>
+        <p:txBody>
+          <a:bodyPr>
+            <a:normAutofit/>
+          </a:bodyPr>
+          <a:lstStyle/>
+          <a:p>
+            <a:endParaRPr lang="th-TH"/>
+          </a:p>
+        </p:txBody>
+      </p:sp>
+      <p:sp>
+        <p:nvSpPr>
+          <p:cNvPr id="4" name="ตัวยึดหมายเลขภาพนิ่ง 3"/>
+          <p:cNvSpPr>
+            <a:spLocks noGrp="1"/>
+          </p:cNvSpPr>
+          <p:nvPr>
+            <p:ph type="sldNum" sz="quarter" idx="10"/>
+          </p:nvPr>
+        </p:nvSpPr>
+        <p:spPr/>
+        <p:txBody>
+          <a:bodyPr/>
+          <a:lstStyle/>
+          <a:p>
+            <a:fld id="{DADF16B9-0908-4A34-B580-FE20BE9B9A7E}" type="slidenum">
+              <a:rPr lang="th-TH" smtClean="0"/>
+              <a:t>32</a:t>
+            </a:fld>
+            <a:endParaRPr lang="th-TH"/>
+          </a:p>
+        </p:txBody>
+      </p:sp>
+    </p:spTree>
+  </p:cSld>
+  <p:clrMapOvr>
+    <a:masterClrMapping/>
+  </p:clrMapOvr>
+</p:notes>
+</file>
+
+<file path=ppt/notesSlides/notesSlide33.xml><?xml version="1.0" encoding="utf-8"?>
+<p:notes xmlns:a="http://schemas.openxmlformats.org/drawingml/2006/main" xmlns:r="http://schemas.openxmlformats.org/officeDocument/2006/relationships" xmlns:p="http://schemas.openxmlformats.org/presentationml/2006/main">
+  <p:cSld>
+    <p:spTree>
+      <p:nvGrpSpPr>
+        <p:cNvPr id="1" name=""/>
+        <p:cNvGrpSpPr/>
+        <p:nvPr/>
+      </p:nvGrpSpPr>
+      <p:grpSpPr>
+        <a:xfrm>
+          <a:off x="0" y="0"/>
+          <a:ext cx="0" cy="0"/>
+          <a:chOff x="0" y="0"/>
+          <a:chExt cx="0" cy="0"/>
+        </a:xfrm>
+      </p:grpSpPr>
+      <p:sp>
+        <p:nvSpPr>
+          <p:cNvPr id="2" name="ตัวยึดรูปบนภาพนิ่ง 1"/>
+          <p:cNvSpPr>
+            <a:spLocks noGrp="1" noRot="1" noChangeAspect="1"/>
+          </p:cNvSpPr>
+          <p:nvPr>
+            <p:ph type="sldImg"/>
+          </p:nvPr>
+        </p:nvSpPr>
+        <p:spPr/>
+      </p:sp>
+      <p:sp>
+        <p:nvSpPr>
+          <p:cNvPr id="3" name="ตัวยึดบันทึกย่อ 2"/>
+          <p:cNvSpPr>
+            <a:spLocks noGrp="1"/>
+          </p:cNvSpPr>
+          <p:nvPr>
+            <p:ph type="body" idx="1"/>
+          </p:nvPr>
+        </p:nvSpPr>
+        <p:spPr/>
+        <p:txBody>
+          <a:bodyPr>
+            <a:normAutofit/>
+          </a:bodyPr>
+          <a:lstStyle/>
+          <a:p>
+            <a:endParaRPr lang="th-TH"/>
+          </a:p>
+        </p:txBody>
+      </p:sp>
+      <p:sp>
+        <p:nvSpPr>
+          <p:cNvPr id="4" name="ตัวยึดหมายเลขภาพนิ่ง 3"/>
+          <p:cNvSpPr>
+            <a:spLocks noGrp="1"/>
+          </p:cNvSpPr>
+          <p:nvPr>
+            <p:ph type="sldNum" sz="quarter" idx="10"/>
+          </p:nvPr>
+        </p:nvSpPr>
+        <p:spPr/>
+        <p:txBody>
+          <a:bodyPr/>
+          <a:lstStyle/>
+          <a:p>
+            <a:fld id="{DADF16B9-0908-4A34-B580-FE20BE9B9A7E}" type="slidenum">
+              <a:rPr lang="th-TH" smtClean="0"/>
+              <a:t>33</a:t>
+            </a:fld>
+            <a:endParaRPr lang="th-TH"/>
+          </a:p>
+        </p:txBody>
+      </p:sp>
+    </p:spTree>
+  </p:cSld>
+  <p:clrMapOvr>
+    <a:masterClrMapping/>
+  </p:clrMapOvr>
+</p:notes>
+</file>
+
+<file path=ppt/notesSlides/notesSlide34.xml><?xml version="1.0" encoding="utf-8"?>
+<p:notes xmlns:a="http://schemas.openxmlformats.org/drawingml/2006/main" xmlns:r="http://schemas.openxmlformats.org/officeDocument/2006/relationships" xmlns:p="http://schemas.openxmlformats.org/presentationml/2006/main">
+  <p:cSld>
+    <p:spTree>
+      <p:nvGrpSpPr>
+        <p:cNvPr id="1" name=""/>
+        <p:cNvGrpSpPr/>
+        <p:nvPr/>
+      </p:nvGrpSpPr>
+      <p:grpSpPr>
+        <a:xfrm>
+          <a:off x="0" y="0"/>
+          <a:ext cx="0" cy="0"/>
+          <a:chOff x="0" y="0"/>
+          <a:chExt cx="0" cy="0"/>
+        </a:xfrm>
+      </p:grpSpPr>
+      <p:sp>
+        <p:nvSpPr>
+          <p:cNvPr id="2" name="ตัวยึดรูปบนภาพนิ่ง 1"/>
+          <p:cNvSpPr>
+            <a:spLocks noGrp="1" noRot="1" noChangeAspect="1"/>
+          </p:cNvSpPr>
+          <p:nvPr>
+            <p:ph type="sldImg"/>
+          </p:nvPr>
+        </p:nvSpPr>
+        <p:spPr/>
+      </p:sp>
+      <p:sp>
+        <p:nvSpPr>
+          <p:cNvPr id="3" name="ตัวยึดบันทึกย่อ 2"/>
+          <p:cNvSpPr>
+            <a:spLocks noGrp="1"/>
+          </p:cNvSpPr>
+          <p:nvPr>
+            <p:ph type="body" idx="1"/>
+          </p:nvPr>
+        </p:nvSpPr>
+        <p:spPr/>
+        <p:txBody>
+          <a:bodyPr>
+            <a:normAutofit/>
+          </a:bodyPr>
+          <a:lstStyle/>
+          <a:p>
+            <a:endParaRPr lang="th-TH"/>
+          </a:p>
+        </p:txBody>
+      </p:sp>
+      <p:sp>
+        <p:nvSpPr>
+          <p:cNvPr id="4" name="ตัวยึดหมายเลขภาพนิ่ง 3"/>
+          <p:cNvSpPr>
+            <a:spLocks noGrp="1"/>
+          </p:cNvSpPr>
+          <p:nvPr>
+            <p:ph type="sldNum" sz="quarter" idx="10"/>
+          </p:nvPr>
+        </p:nvSpPr>
+        <p:spPr/>
+        <p:txBody>
+          <a:bodyPr/>
+          <a:lstStyle/>
+          <a:p>
+            <a:fld id="{DADF16B9-0908-4A34-B580-FE20BE9B9A7E}" type="slidenum">
+              <a:rPr lang="th-TH" smtClean="0"/>
+              <a:t>34</a:t>
+            </a:fld>
+            <a:endParaRPr lang="th-TH"/>
+          </a:p>
+        </p:txBody>
+      </p:sp>
+    </p:spTree>
+  </p:cSld>
+  <p:clrMapOvr>
+    <a:masterClrMapping/>
+  </p:clrMapOvr>
+</p:notes>
+</file>
+
+<file path=ppt/notesSlides/notesSlide35.xml><?xml version="1.0" encoding="utf-8"?>
+<p:notes xmlns:a="http://schemas.openxmlformats.org/drawingml/2006/main" xmlns:r="http://schemas.openxmlformats.org/officeDocument/2006/relationships" xmlns:p="http://schemas.openxmlformats.org/presentationml/2006/main">
+  <p:cSld>
+    <p:spTree>
+      <p:nvGrpSpPr>
+        <p:cNvPr id="1" name=""/>
+        <p:cNvGrpSpPr/>
+        <p:nvPr/>
+      </p:nvGrpSpPr>
+      <p:grpSpPr>
+        <a:xfrm>
+          <a:off x="0" y="0"/>
+          <a:ext cx="0" cy="0"/>
+          <a:chOff x="0" y="0"/>
+          <a:chExt cx="0" cy="0"/>
+        </a:xfrm>
+      </p:grpSpPr>
+      <p:sp>
+        <p:nvSpPr>
+          <p:cNvPr id="2" name="ตัวยึดรูปบนภาพนิ่ง 1"/>
+          <p:cNvSpPr>
+            <a:spLocks noGrp="1" noRot="1" noChangeAspect="1"/>
+          </p:cNvSpPr>
+          <p:nvPr>
+            <p:ph type="sldImg"/>
+          </p:nvPr>
+        </p:nvSpPr>
+        <p:spPr/>
+      </p:sp>
+      <p:sp>
+        <p:nvSpPr>
+          <p:cNvPr id="3" name="ตัวยึดบันทึกย่อ 2"/>
+          <p:cNvSpPr>
+            <a:spLocks noGrp="1"/>
+          </p:cNvSpPr>
+          <p:nvPr>
+            <p:ph type="body" idx="1"/>
+          </p:nvPr>
+        </p:nvSpPr>
+        <p:spPr/>
+        <p:txBody>
+          <a:bodyPr>
+            <a:normAutofit/>
+          </a:bodyPr>
+          <a:lstStyle/>
+          <a:p>
+            <a:endParaRPr lang="th-TH"/>
+          </a:p>
+        </p:txBody>
+      </p:sp>
+      <p:sp>
+        <p:nvSpPr>
+          <p:cNvPr id="4" name="ตัวยึดหมายเลขภาพนิ่ง 3"/>
+          <p:cNvSpPr>
+            <a:spLocks noGrp="1"/>
+          </p:cNvSpPr>
+          <p:nvPr>
+            <p:ph type="sldNum" sz="quarter" idx="10"/>
+          </p:nvPr>
+        </p:nvSpPr>
+        <p:spPr/>
+        <p:txBody>
+          <a:bodyPr/>
+          <a:lstStyle/>
+          <a:p>
+            <a:fld id="{DADF16B9-0908-4A34-B580-FE20BE9B9A7E}" type="slidenum">
+              <a:rPr lang="th-TH" smtClean="0"/>
+              <a:t>35</a:t>
+            </a:fld>
+            <a:endParaRPr lang="th-TH"/>
+          </a:p>
+        </p:txBody>
+      </p:sp>
+    </p:spTree>
+  </p:cSld>
+  <p:clrMapOvr>
+    <a:masterClrMapping/>
+  </p:clrMapOvr>
+</p:notes>
+</file>
+
+<file path=ppt/notesSlides/notesSlide36.xml><?xml version="1.0" encoding="utf-8"?>
+<p:notes xmlns:a="http://schemas.openxmlformats.org/drawingml/2006/main" xmlns:r="http://schemas.openxmlformats.org/officeDocument/2006/relationships" xmlns:p="http://schemas.openxmlformats.org/presentationml/2006/main">
+  <p:cSld>
+    <p:spTree>
+      <p:nvGrpSpPr>
+        <p:cNvPr id="1" name=""/>
+        <p:cNvGrpSpPr/>
+        <p:nvPr/>
+      </p:nvGrpSpPr>
+      <p:grpSpPr>
+        <a:xfrm>
+          <a:off x="0" y="0"/>
+          <a:ext cx="0" cy="0"/>
+          <a:chOff x="0" y="0"/>
+          <a:chExt cx="0" cy="0"/>
+        </a:xfrm>
+      </p:grpSpPr>
+      <p:sp>
+        <p:nvSpPr>
+          <p:cNvPr id="2" name="ตัวยึดรูปบนภาพนิ่ง 1"/>
+          <p:cNvSpPr>
+            <a:spLocks noGrp="1" noRot="1" noChangeAspect="1"/>
+          </p:cNvSpPr>
+          <p:nvPr>
+            <p:ph type="sldImg"/>
+          </p:nvPr>
+        </p:nvSpPr>
+        <p:spPr/>
+      </p:sp>
+      <p:sp>
+        <p:nvSpPr>
+          <p:cNvPr id="3" name="ตัวยึดบันทึกย่อ 2"/>
+          <p:cNvSpPr>
+            <a:spLocks noGrp="1"/>
+          </p:cNvSpPr>
+          <p:nvPr>
+            <p:ph type="body" idx="1"/>
+          </p:nvPr>
+        </p:nvSpPr>
+        <p:spPr/>
+        <p:txBody>
+          <a:bodyPr>
+            <a:normAutofit/>
+          </a:bodyPr>
+          <a:lstStyle/>
+          <a:p>
+            <a:endParaRPr lang="th-TH"/>
+          </a:p>
+        </p:txBody>
+      </p:sp>
+      <p:sp>
+        <p:nvSpPr>
+          <p:cNvPr id="4" name="ตัวยึดหมายเลขภาพนิ่ง 3"/>
+          <p:cNvSpPr>
+            <a:spLocks noGrp="1"/>
+          </p:cNvSpPr>
+          <p:nvPr>
+            <p:ph type="sldNum" sz="quarter" idx="10"/>
+          </p:nvPr>
+        </p:nvSpPr>
+        <p:spPr/>
+        <p:txBody>
+          <a:bodyPr/>
+          <a:lstStyle/>
+          <a:p>
+            <a:fld id="{DADF16B9-0908-4A34-B580-FE20BE9B9A7E}" type="slidenum">
+              <a:rPr lang="th-TH" smtClean="0"/>
+              <a:t>36</a:t>
+            </a:fld>
+            <a:endParaRPr lang="th-TH"/>
+          </a:p>
+        </p:txBody>
+      </p:sp>
+    </p:spTree>
+  </p:cSld>
+  <p:clrMapOvr>
+    <a:masterClrMapping/>
+  </p:clrMapOvr>
+</p:notes>
+</file>
+
+<file path=ppt/notesSlides/notesSlide37.xml><?xml version="1.0" encoding="utf-8"?>
+<p:notes xmlns:a="http://schemas.openxmlformats.org/drawingml/2006/main" xmlns:r="http://schemas.openxmlformats.org/officeDocument/2006/relationships" xmlns:p="http://schemas.openxmlformats.org/presentationml/2006/main">
+  <p:cSld>
+    <p:spTree>
+      <p:nvGrpSpPr>
+        <p:cNvPr id="1" name=""/>
+        <p:cNvGrpSpPr/>
+        <p:nvPr/>
+      </p:nvGrpSpPr>
+      <p:grpSpPr>
+        <a:xfrm>
+          <a:off x="0" y="0"/>
+          <a:ext cx="0" cy="0"/>
+          <a:chOff x="0" y="0"/>
+          <a:chExt cx="0" cy="0"/>
+        </a:xfrm>
+      </p:grpSpPr>
+      <p:sp>
+        <p:nvSpPr>
+          <p:cNvPr id="2" name="ตัวยึดรูปบนภาพนิ่ง 1"/>
+          <p:cNvSpPr>
+            <a:spLocks noGrp="1" noRot="1" noChangeAspect="1"/>
+          </p:cNvSpPr>
+          <p:nvPr>
+            <p:ph type="sldImg"/>
+          </p:nvPr>
+        </p:nvSpPr>
+        <p:spPr/>
+      </p:sp>
+      <p:sp>
+        <p:nvSpPr>
+          <p:cNvPr id="3" name="ตัวยึดบันทึกย่อ 2"/>
+          <p:cNvSpPr>
+            <a:spLocks noGrp="1"/>
+          </p:cNvSpPr>
+          <p:nvPr>
+            <p:ph type="body" idx="1"/>
+          </p:nvPr>
+        </p:nvSpPr>
+        <p:spPr/>
+        <p:txBody>
+          <a:bodyPr>
+            <a:normAutofit/>
+          </a:bodyPr>
+          <a:lstStyle/>
+          <a:p>
+            <a:endParaRPr lang="th-TH"/>
+          </a:p>
+        </p:txBody>
+      </p:sp>
+      <p:sp>
+        <p:nvSpPr>
+          <p:cNvPr id="4" name="ตัวยึดหมายเลขภาพนิ่ง 3"/>
+          <p:cNvSpPr>
+            <a:spLocks noGrp="1"/>
+          </p:cNvSpPr>
+          <p:nvPr>
+            <p:ph type="sldNum" sz="quarter" idx="10"/>
+          </p:nvPr>
+        </p:nvSpPr>
+        <p:spPr/>
+        <p:txBody>
+          <a:bodyPr/>
+          <a:lstStyle/>
+          <a:p>
+            <a:fld id="{DADF16B9-0908-4A34-B580-FE20BE9B9A7E}" type="slidenum">
+              <a:rPr lang="th-TH" smtClean="0"/>
+              <a:t>37</a:t>
+            </a:fld>
+            <a:endParaRPr lang="th-TH"/>
+          </a:p>
+        </p:txBody>
+      </p:sp>
+    </p:spTree>
+  </p:cSld>
+  <p:clrMapOvr>
+    <a:masterClrMapping/>
+  </p:clrMapOvr>
+</p:notes>
+</file>
+
+<file path=ppt/notesSlides/notesSlide38.xml><?xml version="1.0" encoding="utf-8"?>
+<p:notes xmlns:a="http://schemas.openxmlformats.org/drawingml/2006/main" xmlns:r="http://schemas.openxmlformats.org/officeDocument/2006/relationships" xmlns:p="http://schemas.openxmlformats.org/presentationml/2006/main">
+  <p:cSld>
+    <p:spTree>
+      <p:nvGrpSpPr>
+        <p:cNvPr id="1" name=""/>
+        <p:cNvGrpSpPr/>
+        <p:nvPr/>
+      </p:nvGrpSpPr>
+      <p:grpSpPr>
+        <a:xfrm>
+          <a:off x="0" y="0"/>
+          <a:ext cx="0" cy="0"/>
+          <a:chOff x="0" y="0"/>
+          <a:chExt cx="0" cy="0"/>
+        </a:xfrm>
+      </p:grpSpPr>
+      <p:sp>
+        <p:nvSpPr>
+          <p:cNvPr id="2" name="ตัวยึดรูปบนภาพนิ่ง 1"/>
+          <p:cNvSpPr>
+            <a:spLocks noGrp="1" noRot="1" noChangeAspect="1"/>
+          </p:cNvSpPr>
+          <p:nvPr>
+            <p:ph type="sldImg"/>
+          </p:nvPr>
+        </p:nvSpPr>
+        <p:spPr/>
+      </p:sp>
+      <p:sp>
+        <p:nvSpPr>
+          <p:cNvPr id="3" name="ตัวยึดบันทึกย่อ 2"/>
+          <p:cNvSpPr>
+            <a:spLocks noGrp="1"/>
+          </p:cNvSpPr>
+          <p:nvPr>
+            <p:ph type="body" idx="1"/>
+          </p:nvPr>
+        </p:nvSpPr>
+        <p:spPr/>
+        <p:txBody>
+          <a:bodyPr>
+            <a:normAutofit/>
+          </a:bodyPr>
+          <a:lstStyle/>
+          <a:p>
+            <a:endParaRPr lang="th-TH"/>
+          </a:p>
+        </p:txBody>
+      </p:sp>
+      <p:sp>
+        <p:nvSpPr>
+          <p:cNvPr id="4" name="ตัวยึดหมายเลขภาพนิ่ง 3"/>
+          <p:cNvSpPr>
+            <a:spLocks noGrp="1"/>
+          </p:cNvSpPr>
+          <p:nvPr>
+            <p:ph type="sldNum" sz="quarter" idx="10"/>
+          </p:nvPr>
+        </p:nvSpPr>
+        <p:spPr/>
+        <p:txBody>
+          <a:bodyPr/>
+          <a:lstStyle/>
+          <a:p>
+            <a:fld id="{DADF16B9-0908-4A34-B580-FE20BE9B9A7E}" type="slidenum">
+              <a:rPr lang="th-TH" smtClean="0"/>
+              <a:t>38</a:t>
+            </a:fld>
+            <a:endParaRPr lang="th-TH"/>
+          </a:p>
+        </p:txBody>
+      </p:sp>
+    </p:spTree>
+  </p:cSld>
+  <p:clrMapOvr>
+    <a:masterClrMapping/>
+  </p:clrMapOvr>
+</p:notes>
+</file>
+
+<file path=ppt/notesSlides/notesSlide39.xml><?xml version="1.0" encoding="utf-8"?>
+<p:notes xmlns:a="http://schemas.openxmlformats.org/drawingml/2006/main" xmlns:r="http://schemas.openxmlformats.org/officeDocument/2006/relationships" xmlns:p="http://schemas.openxmlformats.org/presentationml/2006/main">
+  <p:cSld>
+    <p:spTree>
+      <p:nvGrpSpPr>
+        <p:cNvPr id="1" name=""/>
+        <p:cNvGrpSpPr/>
+        <p:nvPr/>
+      </p:nvGrpSpPr>
+      <p:grpSpPr>
+        <a:xfrm>
+          <a:off x="0" y="0"/>
+          <a:ext cx="0" cy="0"/>
+          <a:chOff x="0" y="0"/>
+          <a:chExt cx="0" cy="0"/>
+        </a:xfrm>
+      </p:grpSpPr>
+      <p:sp>
+        <p:nvSpPr>
+          <p:cNvPr id="2" name="ตัวยึดรูปบนภาพนิ่ง 1"/>
+          <p:cNvSpPr>
+            <a:spLocks noGrp="1" noRot="1" noChangeAspect="1"/>
+          </p:cNvSpPr>
+          <p:nvPr>
+            <p:ph type="sldImg"/>
+          </p:nvPr>
+        </p:nvSpPr>
+        <p:spPr/>
+      </p:sp>
+      <p:sp>
+        <p:nvSpPr>
+          <p:cNvPr id="3" name="ตัวยึดบันทึกย่อ 2"/>
+          <p:cNvSpPr>
+            <a:spLocks noGrp="1"/>
+          </p:cNvSpPr>
+          <p:nvPr>
+            <p:ph type="body" idx="1"/>
+          </p:nvPr>
+        </p:nvSpPr>
+        <p:spPr/>
+        <p:txBody>
+          <a:bodyPr>
+            <a:normAutofit/>
+          </a:bodyPr>
+          <a:lstStyle/>
+          <a:p>
+            <a:endParaRPr lang="th-TH"/>
+          </a:p>
+        </p:txBody>
+      </p:sp>
+      <p:sp>
+        <p:nvSpPr>
+          <p:cNvPr id="4" name="ตัวยึดหมายเลขภาพนิ่ง 3"/>
+          <p:cNvSpPr>
+            <a:spLocks noGrp="1"/>
+          </p:cNvSpPr>
+          <p:nvPr>
+            <p:ph type="sldNum" sz="quarter" idx="10"/>
+          </p:nvPr>
+        </p:nvSpPr>
+        <p:spPr/>
+        <p:txBody>
+          <a:bodyPr/>
+          <a:lstStyle/>
+          <a:p>
+            <a:fld id="{DADF16B9-0908-4A34-B580-FE20BE9B9A7E}" type="slidenum">
+              <a:rPr lang="th-TH" smtClean="0"/>
+              <a:t>39</a:t>
+            </a:fld>
+            <a:endParaRPr lang="th-TH"/>
+          </a:p>
+        </p:txBody>
+      </p:sp>
+    </p:spTree>
+  </p:cSld>
+  <p:clrMapOvr>
+    <a:masterClrMapping/>
+  </p:clrMapOvr>
+</p:notes>
+</file>
+
+<file path=ppt/notesSlides/notesSlide4.xml><?xml version="1.0" encoding="utf-8"?>
+<p:notes xmlns:a="http://schemas.openxmlformats.org/drawingml/2006/main" xmlns:r="http://schemas.openxmlformats.org/officeDocument/2006/relationships" xmlns:p="http://schemas.openxmlformats.org/presentationml/2006/main">
+  <p:cSld>
+    <p:spTree>
+      <p:nvGrpSpPr>
+        <p:cNvPr id="1" name=""/>
+        <p:cNvGrpSpPr/>
+        <p:nvPr/>
+      </p:nvGrpSpPr>
+      <p:grpSpPr>
+        <a:xfrm>
+          <a:off x="0" y="0"/>
+          <a:ext cx="0" cy="0"/>
+          <a:chOff x="0" y="0"/>
+          <a:chExt cx="0" cy="0"/>
+        </a:xfrm>
+      </p:grpSpPr>
+      <p:sp>
+        <p:nvSpPr>
+          <p:cNvPr id="2" name="ตัวยึดรูปบนภาพนิ่ง 1"/>
+          <p:cNvSpPr>
+            <a:spLocks noGrp="1" noRot="1" noChangeAspect="1"/>
+          </p:cNvSpPr>
+          <p:nvPr>
+            <p:ph type="sldImg"/>
+          </p:nvPr>
+        </p:nvSpPr>
+        <p:spPr/>
+      </p:sp>
+      <p:sp>
+        <p:nvSpPr>
+          <p:cNvPr id="3" name="ตัวยึดบันทึกย่อ 2"/>
+          <p:cNvSpPr>
+            <a:spLocks noGrp="1"/>
+          </p:cNvSpPr>
+          <p:nvPr>
+            <p:ph type="body" idx="1"/>
+          </p:nvPr>
+        </p:nvSpPr>
+        <p:spPr/>
+        <p:txBody>
+          <a:bodyPr>
+            <a:normAutofit/>
+          </a:bodyPr>
+          <a:lstStyle/>
+          <a:p>
+            <a:endParaRPr lang="th-TH"/>
+          </a:p>
+        </p:txBody>
+      </p:sp>
+      <p:sp>
+        <p:nvSpPr>
+          <p:cNvPr id="4" name="ตัวยึดหมายเลขภาพนิ่ง 3"/>
+          <p:cNvSpPr>
+            <a:spLocks noGrp="1"/>
+          </p:cNvSpPr>
+          <p:nvPr>
+            <p:ph type="sldNum" sz="quarter" idx="10"/>
+          </p:nvPr>
+        </p:nvSpPr>
+        <p:spPr/>
+        <p:txBody>
+          <a:bodyPr/>
+          <a:lstStyle/>
+          <a:p>
+            <a:fld id="{DADF16B9-0908-4A34-B580-FE20BE9B9A7E}" type="slidenum">
+              <a:rPr lang="th-TH" smtClean="0"/>
+              <a:t>4</a:t>
+            </a:fld>
+            <a:endParaRPr lang="th-TH"/>
+          </a:p>
+        </p:txBody>
+      </p:sp>
+    </p:spTree>
+  </p:cSld>
+  <p:clrMapOvr>
+    <a:masterClrMapping/>
+  </p:clrMapOvr>
+</p:notes>
+</file>
+
+<file path=ppt/notesSlides/notesSlide40.xml><?xml version="1.0" encoding="utf-8"?>
+<p:notes xmlns:a="http://schemas.openxmlformats.org/drawingml/2006/main" xmlns:r="http://schemas.openxmlformats.org/officeDocument/2006/relationships" xmlns:p="http://schemas.openxmlformats.org/presentationml/2006/main">
+  <p:cSld>
+    <p:spTree>
+      <p:nvGrpSpPr>
+        <p:cNvPr id="1" name=""/>
+        <p:cNvGrpSpPr/>
+        <p:nvPr/>
+      </p:nvGrpSpPr>
+      <p:grpSpPr>
+        <a:xfrm>
+          <a:off x="0" y="0"/>
+          <a:ext cx="0" cy="0"/>
+          <a:chOff x="0" y="0"/>
+          <a:chExt cx="0" cy="0"/>
+        </a:xfrm>
+      </p:grpSpPr>
+      <p:sp>
+        <p:nvSpPr>
+          <p:cNvPr id="2" name="ตัวยึดรูปบนภาพนิ่ง 1"/>
+          <p:cNvSpPr>
+            <a:spLocks noGrp="1" noRot="1" noChangeAspect="1"/>
+          </p:cNvSpPr>
+          <p:nvPr>
+            <p:ph type="sldImg"/>
+          </p:nvPr>
+        </p:nvSpPr>
+        <p:spPr/>
+      </p:sp>
+      <p:sp>
+        <p:nvSpPr>
+          <p:cNvPr id="3" name="ตัวยึดบันทึกย่อ 2"/>
+          <p:cNvSpPr>
+            <a:spLocks noGrp="1"/>
+          </p:cNvSpPr>
+          <p:nvPr>
+            <p:ph type="body" idx="1"/>
+          </p:nvPr>
+        </p:nvSpPr>
+        <p:spPr/>
+        <p:txBody>
+          <a:bodyPr>
+            <a:normAutofit/>
+          </a:bodyPr>
+          <a:lstStyle/>
+          <a:p>
+            <a:endParaRPr lang="th-TH"/>
+          </a:p>
+        </p:txBody>
+      </p:sp>
+      <p:sp>
+        <p:nvSpPr>
+          <p:cNvPr id="4" name="ตัวยึดหมายเลขภาพนิ่ง 3"/>
+          <p:cNvSpPr>
+            <a:spLocks noGrp="1"/>
+          </p:cNvSpPr>
+          <p:nvPr>
+            <p:ph type="sldNum" sz="quarter" idx="10"/>
+          </p:nvPr>
+        </p:nvSpPr>
+        <p:spPr/>
+        <p:txBody>
+          <a:bodyPr/>
+          <a:lstStyle/>
+          <a:p>
+            <a:fld id="{DADF16B9-0908-4A34-B580-FE20BE9B9A7E}" type="slidenum">
+              <a:rPr lang="th-TH" smtClean="0"/>
+              <a:t>40</a:t>
+            </a:fld>
+            <a:endParaRPr lang="th-TH"/>
+          </a:p>
+        </p:txBody>
+      </p:sp>
+    </p:spTree>
+  </p:cSld>
+  <p:clrMapOvr>
+    <a:masterClrMapping/>
+  </p:clrMapOvr>
+</p:notes>
+</file>
+
+<file path=ppt/notesSlides/notesSlide41.xml><?xml version="1.0" encoding="utf-8"?>
+<p:notes xmlns:a="http://schemas.openxmlformats.org/drawingml/2006/main" xmlns:r="http://schemas.openxmlformats.org/officeDocument/2006/relationships" xmlns:p="http://schemas.openxmlformats.org/presentationml/2006/main">
+  <p:cSld>
+    <p:spTree>
+      <p:nvGrpSpPr>
+        <p:cNvPr id="1" name=""/>
+        <p:cNvGrpSpPr/>
+        <p:nvPr/>
+      </p:nvGrpSpPr>
+      <p:grpSpPr>
+        <a:xfrm>
+          <a:off x="0" y="0"/>
+          <a:ext cx="0" cy="0"/>
+          <a:chOff x="0" y="0"/>
+          <a:chExt cx="0" cy="0"/>
+        </a:xfrm>
+      </p:grpSpPr>
+      <p:sp>
+        <p:nvSpPr>
+          <p:cNvPr id="2" name="ตัวยึดรูปบนภาพนิ่ง 1"/>
+          <p:cNvSpPr>
+            <a:spLocks noGrp="1" noRot="1" noChangeAspect="1"/>
+          </p:cNvSpPr>
+          <p:nvPr>
+            <p:ph type="sldImg"/>
+          </p:nvPr>
+        </p:nvSpPr>
+        <p:spPr/>
+      </p:sp>
+      <p:sp>
+        <p:nvSpPr>
+          <p:cNvPr id="3" name="ตัวยึดบันทึกย่อ 2"/>
+          <p:cNvSpPr>
+            <a:spLocks noGrp="1"/>
+          </p:cNvSpPr>
+          <p:nvPr>
+            <p:ph type="body" idx="1"/>
+          </p:nvPr>
+        </p:nvSpPr>
+        <p:spPr/>
+        <p:txBody>
+          <a:bodyPr>
+            <a:normAutofit/>
+          </a:bodyPr>
+          <a:lstStyle/>
+          <a:p>
+            <a:endParaRPr lang="th-TH"/>
+          </a:p>
+        </p:txBody>
+      </p:sp>
+      <p:sp>
+        <p:nvSpPr>
+          <p:cNvPr id="4" name="ตัวยึดหมายเลขภาพนิ่ง 3"/>
+          <p:cNvSpPr>
+            <a:spLocks noGrp="1"/>
+          </p:cNvSpPr>
+          <p:nvPr>
+            <p:ph type="sldNum" sz="quarter" idx="10"/>
+          </p:nvPr>
+        </p:nvSpPr>
+        <p:spPr/>
+        <p:txBody>
+          <a:bodyPr/>
+          <a:lstStyle/>
+          <a:p>
+            <a:fld id="{DADF16B9-0908-4A34-B580-FE20BE9B9A7E}" type="slidenum">
+              <a:rPr lang="th-TH" smtClean="0"/>
+              <a:t>41</a:t>
+            </a:fld>
+            <a:endParaRPr lang="th-TH"/>
+          </a:p>
+        </p:txBody>
+      </p:sp>
+    </p:spTree>
+  </p:cSld>
+  <p:clrMapOvr>
+    <a:masterClrMapping/>
+  </p:clrMapOvr>
+</p:notes>
+</file>
+
+<file path=ppt/notesSlides/notesSlide42.xml><?xml version="1.0" encoding="utf-8"?>
+<p:notes xmlns:a="http://schemas.openxmlformats.org/drawingml/2006/main" xmlns:r="http://schemas.openxmlformats.org/officeDocument/2006/relationships" xmlns:p="http://schemas.openxmlformats.org/presentationml/2006/main">
+  <p:cSld>
+    <p:spTree>
+      <p:nvGrpSpPr>
+        <p:cNvPr id="1" name=""/>
+        <p:cNvGrpSpPr/>
+        <p:nvPr/>
+      </p:nvGrpSpPr>
+      <p:grpSpPr>
+        <a:xfrm>
+          <a:off x="0" y="0"/>
+          <a:ext cx="0" cy="0"/>
+          <a:chOff x="0" y="0"/>
+          <a:chExt cx="0" cy="0"/>
+        </a:xfrm>
+      </p:grpSpPr>
+      <p:sp>
+        <p:nvSpPr>
+          <p:cNvPr id="2" name="ตัวยึดรูปบนภาพนิ่ง 1"/>
+          <p:cNvSpPr>
+            <a:spLocks noGrp="1" noRot="1" noChangeAspect="1"/>
+          </p:cNvSpPr>
+          <p:nvPr>
+            <p:ph type="sldImg"/>
+          </p:nvPr>
+        </p:nvSpPr>
+        <p:spPr/>
+      </p:sp>
+      <p:sp>
+        <p:nvSpPr>
+          <p:cNvPr id="3" name="ตัวยึดบันทึกย่อ 2"/>
+          <p:cNvSpPr>
+            <a:spLocks noGrp="1"/>
+          </p:cNvSpPr>
+          <p:nvPr>
+            <p:ph type="body" idx="1"/>
+          </p:nvPr>
+        </p:nvSpPr>
+        <p:spPr/>
+        <p:txBody>
+          <a:bodyPr>
+            <a:normAutofit/>
+          </a:bodyPr>
+          <a:lstStyle/>
+          <a:p>
+            <a:endParaRPr lang="th-TH"/>
+          </a:p>
+        </p:txBody>
+      </p:sp>
+      <p:sp>
+        <p:nvSpPr>
+          <p:cNvPr id="4" name="ตัวยึดหมายเลขภาพนิ่ง 3"/>
+          <p:cNvSpPr>
+            <a:spLocks noGrp="1"/>
+          </p:cNvSpPr>
+          <p:nvPr>
+            <p:ph type="sldNum" sz="quarter" idx="10"/>
+          </p:nvPr>
+        </p:nvSpPr>
+        <p:spPr/>
+        <p:txBody>
+          <a:bodyPr/>
+          <a:lstStyle/>
+          <a:p>
+            <a:fld id="{DADF16B9-0908-4A34-B580-FE20BE9B9A7E}" type="slidenum">
+              <a:rPr lang="th-TH" smtClean="0"/>
+              <a:t>42</a:t>
+            </a:fld>
+            <a:endParaRPr lang="th-TH"/>
+          </a:p>
+        </p:txBody>
+      </p:sp>
+    </p:spTree>
+  </p:cSld>
+  <p:clrMapOvr>
+    <a:masterClrMapping/>
+  </p:clrMapOvr>
+</p:notes>
+</file>
+
+<file path=ppt/notesSlides/notesSlide43.xml><?xml version="1.0" encoding="utf-8"?>
+<p:notes xmlns:a="http://schemas.openxmlformats.org/drawingml/2006/main" xmlns:r="http://schemas.openxmlformats.org/officeDocument/2006/relationships" xmlns:p="http://schemas.openxmlformats.org/presentationml/2006/main">
+  <p:cSld>
+    <p:spTree>
+      <p:nvGrpSpPr>
+        <p:cNvPr id="1" name=""/>
+        <p:cNvGrpSpPr/>
+        <p:nvPr/>
+      </p:nvGrpSpPr>
+      <p:grpSpPr>
+        <a:xfrm>
+          <a:off x="0" y="0"/>
+          <a:ext cx="0" cy="0"/>
+          <a:chOff x="0" y="0"/>
+          <a:chExt cx="0" cy="0"/>
+        </a:xfrm>
+      </p:grpSpPr>
+      <p:sp>
+        <p:nvSpPr>
+          <p:cNvPr id="2" name="ตัวยึดรูปบนภาพนิ่ง 1"/>
+          <p:cNvSpPr>
+            <a:spLocks noGrp="1" noRot="1" noChangeAspect="1"/>
+          </p:cNvSpPr>
+          <p:nvPr>
+            <p:ph type="sldImg"/>
+          </p:nvPr>
+        </p:nvSpPr>
+        <p:spPr/>
+      </p:sp>
+      <p:sp>
+        <p:nvSpPr>
+          <p:cNvPr id="3" name="ตัวยึดบันทึกย่อ 2"/>
+          <p:cNvSpPr>
+            <a:spLocks noGrp="1"/>
+          </p:cNvSpPr>
+          <p:nvPr>
+            <p:ph type="body" idx="1"/>
+          </p:nvPr>
+        </p:nvSpPr>
+        <p:spPr/>
+        <p:txBody>
+          <a:bodyPr>
+            <a:normAutofit/>
+          </a:bodyPr>
+          <a:lstStyle/>
+          <a:p>
+            <a:endParaRPr lang="th-TH"/>
+          </a:p>
+        </p:txBody>
+      </p:sp>
+      <p:sp>
+        <p:nvSpPr>
+          <p:cNvPr id="4" name="ตัวยึดหมายเลขภาพนิ่ง 3"/>
+          <p:cNvSpPr>
+            <a:spLocks noGrp="1"/>
+          </p:cNvSpPr>
+          <p:nvPr>
+            <p:ph type="sldNum" sz="quarter" idx="10"/>
+          </p:nvPr>
+        </p:nvSpPr>
+        <p:spPr/>
+        <p:txBody>
+          <a:bodyPr/>
+          <a:lstStyle/>
+          <a:p>
+            <a:fld id="{DADF16B9-0908-4A34-B580-FE20BE9B9A7E}" type="slidenum">
+              <a:rPr lang="th-TH" smtClean="0"/>
+              <a:t>43</a:t>
+            </a:fld>
+            <a:endParaRPr lang="th-TH"/>
+          </a:p>
+        </p:txBody>
+      </p:sp>
+    </p:spTree>
+  </p:cSld>
+  <p:clrMapOvr>
+    <a:masterClrMapping/>
+  </p:clrMapOvr>
+</p:notes>
+</file>
+
+<file path=ppt/notesSlides/notesSlide44.xml><?xml version="1.0" encoding="utf-8"?>
+<p:notes xmlns:a="http://schemas.openxmlformats.org/drawingml/2006/main" xmlns:r="http://schemas.openxmlformats.org/officeDocument/2006/relationships" xmlns:p="http://schemas.openxmlformats.org/presentationml/2006/main">
+  <p:cSld>
+    <p:spTree>
+      <p:nvGrpSpPr>
+        <p:cNvPr id="1" name=""/>
+        <p:cNvGrpSpPr/>
+        <p:nvPr/>
+      </p:nvGrpSpPr>
+      <p:grpSpPr>
+        <a:xfrm>
+          <a:off x="0" y="0"/>
+          <a:ext cx="0" cy="0"/>
+          <a:chOff x="0" y="0"/>
+          <a:chExt cx="0" cy="0"/>
+        </a:xfrm>
+      </p:grpSpPr>
+      <p:sp>
+        <p:nvSpPr>
+          <p:cNvPr id="2" name="ตัวยึดรูปบนภาพนิ่ง 1"/>
+          <p:cNvSpPr>
+            <a:spLocks noGrp="1" noRot="1" noChangeAspect="1"/>
+          </p:cNvSpPr>
+          <p:nvPr>
+            <p:ph type="sldImg"/>
+          </p:nvPr>
+        </p:nvSpPr>
+        <p:spPr/>
+      </p:sp>
+      <p:sp>
+        <p:nvSpPr>
+          <p:cNvPr id="3" name="ตัวยึดบันทึกย่อ 2"/>
+          <p:cNvSpPr>
+            <a:spLocks noGrp="1"/>
+          </p:cNvSpPr>
+          <p:nvPr>
+            <p:ph type="body" idx="1"/>
+          </p:nvPr>
+        </p:nvSpPr>
+        <p:spPr/>
+        <p:txBody>
+          <a:bodyPr>
+            <a:normAutofit/>
+          </a:bodyPr>
+          <a:lstStyle/>
+          <a:p>
+            <a:endParaRPr lang="th-TH"/>
+          </a:p>
+        </p:txBody>
+      </p:sp>
+      <p:sp>
+        <p:nvSpPr>
+          <p:cNvPr id="4" name="ตัวยึดหมายเลขภาพนิ่ง 3"/>
+          <p:cNvSpPr>
+            <a:spLocks noGrp="1"/>
+          </p:cNvSpPr>
+          <p:nvPr>
+            <p:ph type="sldNum" sz="quarter" idx="10"/>
+          </p:nvPr>
+        </p:nvSpPr>
+        <p:spPr/>
+        <p:txBody>
+          <a:bodyPr/>
+          <a:lstStyle/>
+          <a:p>
+            <a:fld id="{DADF16B9-0908-4A34-B580-FE20BE9B9A7E}" type="slidenum">
+              <a:rPr lang="th-TH" smtClean="0"/>
+              <a:t>44</a:t>
+            </a:fld>
+            <a:endParaRPr lang="th-TH"/>
+          </a:p>
+        </p:txBody>
+      </p:sp>
+    </p:spTree>
+  </p:cSld>
+  <p:clrMapOvr>
+    <a:masterClrMapping/>
+  </p:clrMapOvr>
+</p:notes>
+</file>
+
+<file path=ppt/notesSlides/notesSlide45.xml><?xml version="1.0" encoding="utf-8"?>
+<p:notes xmlns:a="http://schemas.openxmlformats.org/drawingml/2006/main" xmlns:r="http://schemas.openxmlformats.org/officeDocument/2006/relationships" xmlns:p="http://schemas.openxmlformats.org/presentationml/2006/main">
+  <p:cSld>
+    <p:spTree>
+      <p:nvGrpSpPr>
+        <p:cNvPr id="1" name=""/>
+        <p:cNvGrpSpPr/>
+        <p:nvPr/>
+      </p:nvGrpSpPr>
+      <p:grpSpPr>
+        <a:xfrm>
+          <a:off x="0" y="0"/>
+          <a:ext cx="0" cy="0"/>
+          <a:chOff x="0" y="0"/>
+          <a:chExt cx="0" cy="0"/>
+        </a:xfrm>
+      </p:grpSpPr>
+      <p:sp>
+        <p:nvSpPr>
+          <p:cNvPr id="2" name="ตัวยึดรูปบนภาพนิ่ง 1"/>
+          <p:cNvSpPr>
+            <a:spLocks noGrp="1" noRot="1" noChangeAspect="1"/>
+          </p:cNvSpPr>
+          <p:nvPr>
+            <p:ph type="sldImg"/>
+          </p:nvPr>
+        </p:nvSpPr>
+        <p:spPr/>
+      </p:sp>
+      <p:sp>
+        <p:nvSpPr>
+          <p:cNvPr id="3" name="ตัวยึดบันทึกย่อ 2"/>
+          <p:cNvSpPr>
+            <a:spLocks noGrp="1"/>
+          </p:cNvSpPr>
+          <p:nvPr>
+            <p:ph type="body" idx="1"/>
+          </p:nvPr>
+        </p:nvSpPr>
+        <p:spPr/>
+        <p:txBody>
+          <a:bodyPr>
+            <a:normAutofit/>
+          </a:bodyPr>
+          <a:lstStyle/>
+          <a:p>
+            <a:endParaRPr lang="th-TH"/>
+          </a:p>
+        </p:txBody>
+      </p:sp>
+      <p:sp>
+        <p:nvSpPr>
+          <p:cNvPr id="4" name="ตัวยึดหมายเลขภาพนิ่ง 3"/>
+          <p:cNvSpPr>
+            <a:spLocks noGrp="1"/>
+          </p:cNvSpPr>
+          <p:nvPr>
+            <p:ph type="sldNum" sz="quarter" idx="10"/>
+          </p:nvPr>
+        </p:nvSpPr>
+        <p:spPr/>
+        <p:txBody>
+          <a:bodyPr/>
+          <a:lstStyle/>
+          <a:p>
+            <a:fld id="{DADF16B9-0908-4A34-B580-FE20BE9B9A7E}" type="slidenum">
+              <a:rPr lang="th-TH" smtClean="0"/>
+              <a:t>45</a:t>
+            </a:fld>
+            <a:endParaRPr lang="th-TH"/>
+          </a:p>
+        </p:txBody>
+      </p:sp>
+    </p:spTree>
+  </p:cSld>
+  <p:clrMapOvr>
+    <a:masterClrMapping/>
+  </p:clrMapOvr>
+</p:notes>
+</file>
+
+<file path=ppt/notesSlides/notesSlide46.xml><?xml version="1.0" encoding="utf-8"?>
+<p:notes xmlns:a="http://schemas.openxmlformats.org/drawingml/2006/main" xmlns:r="http://schemas.openxmlformats.org/officeDocument/2006/relationships" xmlns:p="http://schemas.openxmlformats.org/presentationml/2006/main">
+  <p:cSld>
+    <p:spTree>
+      <p:nvGrpSpPr>
+        <p:cNvPr id="1" name=""/>
+        <p:cNvGrpSpPr/>
+        <p:nvPr/>
+      </p:nvGrpSpPr>
+      <p:grpSpPr>
+        <a:xfrm>
+          <a:off x="0" y="0"/>
+          <a:ext cx="0" cy="0"/>
+          <a:chOff x="0" y="0"/>
+          <a:chExt cx="0" cy="0"/>
+        </a:xfrm>
+      </p:grpSpPr>
+      <p:sp>
+        <p:nvSpPr>
+          <p:cNvPr id="2" name="ตัวยึดรูปบนภาพนิ่ง 1"/>
+          <p:cNvSpPr>
+            <a:spLocks noGrp="1" noRot="1" noChangeAspect="1"/>
+          </p:cNvSpPr>
+          <p:nvPr>
+            <p:ph type="sldImg"/>
+          </p:nvPr>
+        </p:nvSpPr>
+        <p:spPr/>
+      </p:sp>
+      <p:sp>
+        <p:nvSpPr>
+          <p:cNvPr id="3" name="ตัวยึดบันทึกย่อ 2"/>
+          <p:cNvSpPr>
+            <a:spLocks noGrp="1"/>
+          </p:cNvSpPr>
+          <p:nvPr>
+            <p:ph type="body" idx="1"/>
+          </p:nvPr>
+        </p:nvSpPr>
+        <p:spPr/>
+        <p:txBody>
+          <a:bodyPr>
+            <a:normAutofit/>
+          </a:bodyPr>
+          <a:lstStyle/>
+          <a:p>
+            <a:endParaRPr lang="th-TH"/>
+          </a:p>
+        </p:txBody>
+      </p:sp>
+      <p:sp>
+        <p:nvSpPr>
+          <p:cNvPr id="4" name="ตัวยึดหมายเลขภาพนิ่ง 3"/>
+          <p:cNvSpPr>
+            <a:spLocks noGrp="1"/>
+          </p:cNvSpPr>
+          <p:nvPr>
+            <p:ph type="sldNum" sz="quarter" idx="10"/>
+          </p:nvPr>
+        </p:nvSpPr>
+        <p:spPr/>
+        <p:txBody>
+          <a:bodyPr/>
+          <a:lstStyle/>
+          <a:p>
+            <a:fld id="{DADF16B9-0908-4A34-B580-FE20BE9B9A7E}" type="slidenum">
+              <a:rPr lang="th-TH" smtClean="0"/>
+              <a:t>46</a:t>
+            </a:fld>
+            <a:endParaRPr lang="th-TH"/>
+          </a:p>
+        </p:txBody>
+      </p:sp>
+    </p:spTree>
+  </p:cSld>
+  <p:clrMapOvr>
+    <a:masterClrMapping/>
+  </p:clrMapOvr>
+</p:notes>
+</file>
+
+<file path=ppt/notesSlides/notesSlide5.xml><?xml version="1.0" encoding="utf-8"?>
+<p:notes xmlns:a="http://schemas.openxmlformats.org/drawingml/2006/main" xmlns:r="http://schemas.openxmlformats.org/officeDocument/2006/relationships" xmlns:p="http://schemas.openxmlformats.org/presentationml/2006/main">
+  <p:cSld>
+    <p:spTree>
+      <p:nvGrpSpPr>
+        <p:cNvPr id="1" name=""/>
+        <p:cNvGrpSpPr/>
+        <p:nvPr/>
+      </p:nvGrpSpPr>
+      <p:grpSpPr>
+        <a:xfrm>
+          <a:off x="0" y="0"/>
+          <a:ext cx="0" cy="0"/>
+          <a:chOff x="0" y="0"/>
+          <a:chExt cx="0" cy="0"/>
+        </a:xfrm>
+      </p:grpSpPr>
+      <p:sp>
+        <p:nvSpPr>
+          <p:cNvPr id="2" name="ตัวยึดรูปบนภาพนิ่ง 1"/>
+          <p:cNvSpPr>
+            <a:spLocks noGrp="1" noRot="1" noChangeAspect="1"/>
+          </p:cNvSpPr>
+          <p:nvPr>
+            <p:ph type="sldImg"/>
+          </p:nvPr>
+        </p:nvSpPr>
+        <p:spPr/>
+      </p:sp>
+      <p:sp>
+        <p:nvSpPr>
+          <p:cNvPr id="3" name="ตัวยึดบันทึกย่อ 2"/>
+          <p:cNvSpPr>
+            <a:spLocks noGrp="1"/>
+          </p:cNvSpPr>
+          <p:nvPr>
+            <p:ph type="body" idx="1"/>
+          </p:nvPr>
+        </p:nvSpPr>
+        <p:spPr/>
+        <p:txBody>
+          <a:bodyPr>
+            <a:normAutofit/>
+          </a:bodyPr>
+          <a:lstStyle/>
+          <a:p>
+            <a:endParaRPr lang="th-TH"/>
+          </a:p>
+        </p:txBody>
+      </p:sp>
+      <p:sp>
+        <p:nvSpPr>
+          <p:cNvPr id="4" name="ตัวยึดหมายเลขภาพนิ่ง 3"/>
+          <p:cNvSpPr>
+            <a:spLocks noGrp="1"/>
+          </p:cNvSpPr>
+          <p:nvPr>
+            <p:ph type="sldNum" sz="quarter" idx="10"/>
+          </p:nvPr>
+        </p:nvSpPr>
+        <p:spPr/>
+        <p:txBody>
+          <a:bodyPr/>
+          <a:lstStyle/>
+          <a:p>
+            <a:fld id="{DADF16B9-0908-4A34-B580-FE20BE9B9A7E}" type="slidenum">
+              <a:rPr lang="th-TH" smtClean="0"/>
+              <a:t>5</a:t>
+            </a:fld>
+            <a:endParaRPr lang="th-TH"/>
+          </a:p>
+        </p:txBody>
+      </p:sp>
+    </p:spTree>
+  </p:cSld>
+  <p:clrMapOvr>
+    <a:masterClrMapping/>
+  </p:clrMapOvr>
+</p:notes>
+</file>
+
+<file path=ppt/notesSlides/notesSlide6.xml><?xml version="1.0" encoding="utf-8"?>
+<p:notes xmlns:a="http://schemas.openxmlformats.org/drawingml/2006/main" xmlns:r="http://schemas.openxmlformats.org/officeDocument/2006/relationships" xmlns:p="http://schemas.openxmlformats.org/presentationml/2006/main">
+  <p:cSld>
+    <p:spTree>
+      <p:nvGrpSpPr>
+        <p:cNvPr id="1" name=""/>
+        <p:cNvGrpSpPr/>
+        <p:nvPr/>
+      </p:nvGrpSpPr>
+      <p:grpSpPr>
+        <a:xfrm>
+          <a:off x="0" y="0"/>
+          <a:ext cx="0" cy="0"/>
+          <a:chOff x="0" y="0"/>
+          <a:chExt cx="0" cy="0"/>
+        </a:xfrm>
+      </p:grpSpPr>
+      <p:sp>
+        <p:nvSpPr>
+          <p:cNvPr id="2" name="ตัวยึดรูปบนภาพนิ่ง 1"/>
+          <p:cNvSpPr>
+            <a:spLocks noGrp="1" noRot="1" noChangeAspect="1"/>
+          </p:cNvSpPr>
+          <p:nvPr>
+            <p:ph type="sldImg"/>
+          </p:nvPr>
+        </p:nvSpPr>
+        <p:spPr/>
+      </p:sp>
+      <p:sp>
+        <p:nvSpPr>
+          <p:cNvPr id="3" name="ตัวยึดบันทึกย่อ 2"/>
+          <p:cNvSpPr>
+            <a:spLocks noGrp="1"/>
+          </p:cNvSpPr>
+          <p:nvPr>
+            <p:ph type="body" idx="1"/>
+          </p:nvPr>
+        </p:nvSpPr>
+        <p:spPr/>
+        <p:txBody>
+          <a:bodyPr>
+            <a:normAutofit/>
+          </a:bodyPr>
+          <a:lstStyle/>
+          <a:p>
+            <a:endParaRPr lang="th-TH"/>
+          </a:p>
+        </p:txBody>
+      </p:sp>
+      <p:sp>
+        <p:nvSpPr>
+          <p:cNvPr id="4" name="ตัวยึดหมายเลขภาพนิ่ง 3"/>
+          <p:cNvSpPr>
+            <a:spLocks noGrp="1"/>
+          </p:cNvSpPr>
+          <p:nvPr>
+            <p:ph type="sldNum" sz="quarter" idx="10"/>
+          </p:nvPr>
+        </p:nvSpPr>
+        <p:spPr/>
+        <p:txBody>
+          <a:bodyPr/>
+          <a:lstStyle/>
+          <a:p>
+            <a:fld id="{DADF16B9-0908-4A34-B580-FE20BE9B9A7E}" type="slidenum">
+              <a:rPr lang="th-TH" smtClean="0"/>
+              <a:t>6</a:t>
+            </a:fld>
+            <a:endParaRPr lang="th-TH"/>
+          </a:p>
+        </p:txBody>
+      </p:sp>
+    </p:spTree>
+  </p:cSld>
+  <p:clrMapOvr>
+    <a:masterClrMapping/>
+  </p:clrMapOvr>
+</p:notes>
+</file>
+
+<file path=ppt/notesSlides/notesSlide7.xml><?xml version="1.0" encoding="utf-8"?>
+<p:notes xmlns:a="http://schemas.openxmlformats.org/drawingml/2006/main" xmlns:r="http://schemas.openxmlformats.org/officeDocument/2006/relationships" xmlns:p="http://schemas.openxmlformats.org/presentationml/2006/main">
+  <p:cSld>
+    <p:spTree>
+      <p:nvGrpSpPr>
+        <p:cNvPr id="1" name=""/>
+        <p:cNvGrpSpPr/>
+        <p:nvPr/>
+      </p:nvGrpSpPr>
+      <p:grpSpPr>
+        <a:xfrm>
+          <a:off x="0" y="0"/>
+          <a:ext cx="0" cy="0"/>
+          <a:chOff x="0" y="0"/>
+          <a:chExt cx="0" cy="0"/>
+        </a:xfrm>
+      </p:grpSpPr>
+      <p:sp>
+        <p:nvSpPr>
+          <p:cNvPr id="2" name="ตัวยึดรูปบนภาพนิ่ง 1"/>
+          <p:cNvSpPr>
+            <a:spLocks noGrp="1" noRot="1" noChangeAspect="1"/>
+          </p:cNvSpPr>
+          <p:nvPr>
+            <p:ph type="sldImg"/>
+          </p:nvPr>
+        </p:nvSpPr>
+        <p:spPr/>
+      </p:sp>
+      <p:sp>
+        <p:nvSpPr>
+          <p:cNvPr id="3" name="ตัวยึดบันทึกย่อ 2"/>
+          <p:cNvSpPr>
+            <a:spLocks noGrp="1"/>
+          </p:cNvSpPr>
+          <p:nvPr>
+            <p:ph type="body" idx="1"/>
+          </p:nvPr>
+        </p:nvSpPr>
+        <p:spPr/>
+        <p:txBody>
+          <a:bodyPr>
+            <a:normAutofit/>
+          </a:bodyPr>
+          <a:lstStyle/>
+          <a:p>
+            <a:endParaRPr lang="th-TH"/>
+          </a:p>
+        </p:txBody>
+      </p:sp>
+      <p:sp>
+        <p:nvSpPr>
+          <p:cNvPr id="4" name="ตัวยึดหมายเลขภาพนิ่ง 3"/>
+          <p:cNvSpPr>
+            <a:spLocks noGrp="1"/>
+          </p:cNvSpPr>
+          <p:nvPr>
+            <p:ph type="sldNum" sz="quarter" idx="10"/>
+          </p:nvPr>
+        </p:nvSpPr>
+        <p:spPr/>
+        <p:txBody>
+          <a:bodyPr/>
+          <a:lstStyle/>
+          <a:p>
+            <a:fld id="{DADF16B9-0908-4A34-B580-FE20BE9B9A7E}" type="slidenum">
+              <a:rPr lang="th-TH" smtClean="0"/>
+              <a:t>7</a:t>
+            </a:fld>
+            <a:endParaRPr lang="th-TH"/>
+          </a:p>
+        </p:txBody>
+      </p:sp>
+    </p:spTree>
+  </p:cSld>
+  <p:clrMapOvr>
+    <a:masterClrMapping/>
+  </p:clrMapOvr>
+</p:notes>
+</file>
+
+<file path=ppt/notesSlides/notesSlide8.xml><?xml version="1.0" encoding="utf-8"?>
+<p:notes xmlns:a="http://schemas.openxmlformats.org/drawingml/2006/main" xmlns:r="http://schemas.openxmlformats.org/officeDocument/2006/relationships" xmlns:p="http://schemas.openxmlformats.org/presentationml/2006/main">
+  <p:cSld>
+    <p:spTree>
+      <p:nvGrpSpPr>
+        <p:cNvPr id="1" name=""/>
+        <p:cNvGrpSpPr/>
+        <p:nvPr/>
+      </p:nvGrpSpPr>
+      <p:grpSpPr>
+        <a:xfrm>
+          <a:off x="0" y="0"/>
+          <a:ext cx="0" cy="0"/>
+          <a:chOff x="0" y="0"/>
+          <a:chExt cx="0" cy="0"/>
+        </a:xfrm>
+      </p:grpSpPr>
+      <p:sp>
+        <p:nvSpPr>
+          <p:cNvPr id="2" name="ตัวยึดรูปบนภาพนิ่ง 1"/>
+          <p:cNvSpPr>
+            <a:spLocks noGrp="1" noRot="1" noChangeAspect="1"/>
+          </p:cNvSpPr>
+          <p:nvPr>
+            <p:ph type="sldImg"/>
+          </p:nvPr>
+        </p:nvSpPr>
+        <p:spPr/>
+      </p:sp>
+      <p:sp>
+        <p:nvSpPr>
+          <p:cNvPr id="3" name="ตัวยึดบันทึกย่อ 2"/>
+          <p:cNvSpPr>
+            <a:spLocks noGrp="1"/>
+          </p:cNvSpPr>
+          <p:nvPr>
+            <p:ph type="body" idx="1"/>
+          </p:nvPr>
+        </p:nvSpPr>
+        <p:spPr/>
+        <p:txBody>
+          <a:bodyPr>
+            <a:normAutofit/>
+          </a:bodyPr>
+          <a:lstStyle/>
+          <a:p>
+            <a:endParaRPr lang="th-TH"/>
+          </a:p>
+        </p:txBody>
+      </p:sp>
+      <p:sp>
+        <p:nvSpPr>
+          <p:cNvPr id="4" name="ตัวยึดหมายเลขภาพนิ่ง 3"/>
+          <p:cNvSpPr>
+            <a:spLocks noGrp="1"/>
+          </p:cNvSpPr>
+          <p:nvPr>
+            <p:ph type="sldNum" sz="quarter" idx="10"/>
+          </p:nvPr>
+        </p:nvSpPr>
+        <p:spPr/>
+        <p:txBody>
+          <a:bodyPr/>
+          <a:lstStyle/>
+          <a:p>
+            <a:fld id="{DADF16B9-0908-4A34-B580-FE20BE9B9A7E}" type="slidenum">
+              <a:rPr lang="th-TH" smtClean="0"/>
+              <a:t>8</a:t>
+            </a:fld>
+            <a:endParaRPr lang="th-TH"/>
+          </a:p>
+        </p:txBody>
+      </p:sp>
+    </p:spTree>
+  </p:cSld>
+  <p:clrMapOvr>
+    <a:masterClrMapping/>
+  </p:clrMapOvr>
+</p:notes>
+</file>
+
+<file path=ppt/notesSlides/notesSlide9.xml><?xml version="1.0" encoding="utf-8"?>
+<p:notes xmlns:a="http://schemas.openxmlformats.org/drawingml/2006/main" xmlns:r="http://schemas.openxmlformats.org/officeDocument/2006/relationships" xmlns:p="http://schemas.openxmlformats.org/presentationml/2006/main">
+  <p:cSld>
+    <p:spTree>
+      <p:nvGrpSpPr>
+        <p:cNvPr id="1" name=""/>
+        <p:cNvGrpSpPr/>
+        <p:nvPr/>
+      </p:nvGrpSpPr>
+      <p:grpSpPr>
+        <a:xfrm>
+          <a:off x="0" y="0"/>
+          <a:ext cx="0" cy="0"/>
+          <a:chOff x="0" y="0"/>
+          <a:chExt cx="0" cy="0"/>
+        </a:xfrm>
+      </p:grpSpPr>
+      <p:sp>
+        <p:nvSpPr>
+          <p:cNvPr id="2" name="ตัวยึดรูปบนภาพนิ่ง 1"/>
+          <p:cNvSpPr>
+            <a:spLocks noGrp="1" noRot="1" noChangeAspect="1"/>
+          </p:cNvSpPr>
+          <p:nvPr>
+            <p:ph type="sldImg"/>
+          </p:nvPr>
+        </p:nvSpPr>
+        <p:spPr/>
+      </p:sp>
+      <p:sp>
+        <p:nvSpPr>
+          <p:cNvPr id="3" name="ตัวยึดบันทึกย่อ 2"/>
+          <p:cNvSpPr>
+            <a:spLocks noGrp="1"/>
+          </p:cNvSpPr>
+          <p:nvPr>
+            <p:ph type="body" idx="1"/>
+          </p:nvPr>
+        </p:nvSpPr>
+        <p:spPr/>
+        <p:txBody>
+          <a:bodyPr>
+            <a:normAutofit/>
+          </a:bodyPr>
+          <a:lstStyle/>
+          <a:p>
+            <a:endParaRPr lang="th-TH"/>
+          </a:p>
+        </p:txBody>
+      </p:sp>
+      <p:sp>
+        <p:nvSpPr>
+          <p:cNvPr id="4" name="ตัวยึดหมายเลขภาพนิ่ง 3"/>
+          <p:cNvSpPr>
+            <a:spLocks noGrp="1"/>
+          </p:cNvSpPr>
+          <p:nvPr>
+            <p:ph type="sldNum" sz="quarter" idx="10"/>
+          </p:nvPr>
+        </p:nvSpPr>
+        <p:spPr/>
+        <p:txBody>
+          <a:bodyPr/>
+          <a:lstStyle/>
+          <a:p>
+            <a:fld id="{DADF16B9-0908-4A34-B580-FE20BE9B9A7E}" type="slidenum">
+              <a:rPr lang="th-TH" smtClean="0"/>
+              <a:t>9</a:t>
+            </a:fld>
+            <a:endParaRPr lang="th-TH"/>
+          </a:p>
+        </p:txBody>
+      </p:sp>
+    </p:spTree>
+  </p:cSld>
+  <p:clrMapOvr>
+    <a:masterClrMapping/>
+  </p:clrMapOvr>
+</p:notes>
+</file>
+
 <file path=ppt/slideLayouts/slideLayout1.xml><?xml version="1.0" encoding="utf-8"?>
 <p:sldLayout xmlns:a="http://schemas.openxmlformats.org/drawingml/2006/main" xmlns:r="http://schemas.openxmlformats.org/officeDocument/2006/relationships" xmlns:p="http://schemas.openxmlformats.org/presentationml/2006/main" type="title" preserve="1">
   <p:cSld name="ภาพนิ่งชื่อเรื่อง">
@@ -326,7 +4409,8 @@
           <a:p>
             <a:fld id="{88CEA0EC-B540-486E-B9E6-86457E1701D2}" type="datetimeFigureOut">
               <a:rPr lang="th-TH" smtClean="0"/>
-              <a:t>29/10/51</a:t>
+              <a:pPr/>
+              <a:t>05/11/51</a:t>
             </a:fld>
             <a:endParaRPr lang="th-TH"/>
           </a:p>
@@ -368,6 +4452,7 @@
           <a:p>
             <a:fld id="{76FC35F0-277E-4AC3-848E-A4A73BBCF1FC}" type="slidenum">
               <a:rPr lang="th-TH" smtClean="0"/>
+              <a:pPr/>
               <a:t>‹#›</a:t>
             </a:fld>
             <a:endParaRPr lang="th-TH"/>
@@ -491,7 +4576,8 @@
           <a:p>
             <a:fld id="{88CEA0EC-B540-486E-B9E6-86457E1701D2}" type="datetimeFigureOut">
               <a:rPr lang="th-TH" smtClean="0"/>
-              <a:t>29/10/51</a:t>
+              <a:pPr/>
+              <a:t>05/11/51</a:t>
             </a:fld>
             <a:endParaRPr lang="th-TH"/>
           </a:p>
@@ -533,6 +4619,7 @@
           <a:p>
             <a:fld id="{76FC35F0-277E-4AC3-848E-A4A73BBCF1FC}" type="slidenum">
               <a:rPr lang="th-TH" smtClean="0"/>
+              <a:pPr/>
               <a:t>‹#›</a:t>
             </a:fld>
             <a:endParaRPr lang="th-TH"/>
@@ -666,7 +4753,8 @@
           <a:p>
             <a:fld id="{88CEA0EC-B540-486E-B9E6-86457E1701D2}" type="datetimeFigureOut">
               <a:rPr lang="th-TH" smtClean="0"/>
-              <a:t>29/10/51</a:t>
+              <a:pPr/>
+              <a:t>05/11/51</a:t>
             </a:fld>
             <a:endParaRPr lang="th-TH"/>
           </a:p>
@@ -708,6 +4796,7 @@
           <a:p>
             <a:fld id="{76FC35F0-277E-4AC3-848E-A4A73BBCF1FC}" type="slidenum">
               <a:rPr lang="th-TH" smtClean="0"/>
+              <a:pPr/>
               <a:t>‹#›</a:t>
             </a:fld>
             <a:endParaRPr lang="th-TH"/>
@@ -831,7 +4920,8 @@
           <a:p>
             <a:fld id="{88CEA0EC-B540-486E-B9E6-86457E1701D2}" type="datetimeFigureOut">
               <a:rPr lang="th-TH" smtClean="0"/>
-              <a:t>29/10/51</a:t>
+              <a:pPr/>
+              <a:t>05/11/51</a:t>
             </a:fld>
             <a:endParaRPr lang="th-TH"/>
           </a:p>
@@ -873,6 +4963,7 @@
           <a:p>
             <a:fld id="{76FC35F0-277E-4AC3-848E-A4A73BBCF1FC}" type="slidenum">
               <a:rPr lang="th-TH" smtClean="0"/>
+              <a:pPr/>
               <a:t>‹#›</a:t>
             </a:fld>
             <a:endParaRPr lang="th-TH"/>
@@ -1072,7 +5163,8 @@
           <a:p>
             <a:fld id="{88CEA0EC-B540-486E-B9E6-86457E1701D2}" type="datetimeFigureOut">
               <a:rPr lang="th-TH" smtClean="0"/>
-              <a:t>29/10/51</a:t>
+              <a:pPr/>
+              <a:t>05/11/51</a:t>
             </a:fld>
             <a:endParaRPr lang="th-TH"/>
           </a:p>
@@ -1114,6 +5206,7 @@
           <a:p>
             <a:fld id="{76FC35F0-277E-4AC3-848E-A4A73BBCF1FC}" type="slidenum">
               <a:rPr lang="th-TH" smtClean="0"/>
+              <a:pPr/>
               <a:t>‹#›</a:t>
             </a:fld>
             <a:endParaRPr lang="th-TH"/>
@@ -1355,7 +5448,8 @@
           <a:p>
             <a:fld id="{88CEA0EC-B540-486E-B9E6-86457E1701D2}" type="datetimeFigureOut">
               <a:rPr lang="th-TH" smtClean="0"/>
-              <a:t>29/10/51</a:t>
+              <a:pPr/>
+              <a:t>05/11/51</a:t>
             </a:fld>
             <a:endParaRPr lang="th-TH"/>
           </a:p>
@@ -1397,6 +5491,7 @@
           <a:p>
             <a:fld id="{76FC35F0-277E-4AC3-848E-A4A73BBCF1FC}" type="slidenum">
               <a:rPr lang="th-TH" smtClean="0"/>
+              <a:pPr/>
               <a:t>‹#›</a:t>
             </a:fld>
             <a:endParaRPr lang="th-TH"/>
@@ -1772,7 +5867,8 @@
           <a:p>
             <a:fld id="{88CEA0EC-B540-486E-B9E6-86457E1701D2}" type="datetimeFigureOut">
               <a:rPr lang="th-TH" smtClean="0"/>
-              <a:t>29/10/51</a:t>
+              <a:pPr/>
+              <a:t>05/11/51</a:t>
             </a:fld>
             <a:endParaRPr lang="th-TH"/>
           </a:p>
@@ -1814,6 +5910,7 @@
           <a:p>
             <a:fld id="{76FC35F0-277E-4AC3-848E-A4A73BBCF1FC}" type="slidenum">
               <a:rPr lang="th-TH" smtClean="0"/>
+              <a:pPr/>
               <a:t>‹#›</a:t>
             </a:fld>
             <a:endParaRPr lang="th-TH"/>
@@ -1885,7 +5982,8 @@
           <a:p>
             <a:fld id="{88CEA0EC-B540-486E-B9E6-86457E1701D2}" type="datetimeFigureOut">
               <a:rPr lang="th-TH" smtClean="0"/>
-              <a:t>29/10/51</a:t>
+              <a:pPr/>
+              <a:t>05/11/51</a:t>
             </a:fld>
             <a:endParaRPr lang="th-TH"/>
           </a:p>
@@ -1927,6 +6025,7 @@
           <a:p>
             <a:fld id="{76FC35F0-277E-4AC3-848E-A4A73BBCF1FC}" type="slidenum">
               <a:rPr lang="th-TH" smtClean="0"/>
+              <a:pPr/>
               <a:t>‹#›</a:t>
             </a:fld>
             <a:endParaRPr lang="th-TH"/>
@@ -1975,7 +6074,8 @@
           <a:p>
             <a:fld id="{88CEA0EC-B540-486E-B9E6-86457E1701D2}" type="datetimeFigureOut">
               <a:rPr lang="th-TH" smtClean="0"/>
-              <a:t>29/10/51</a:t>
+              <a:pPr/>
+              <a:t>05/11/51</a:t>
             </a:fld>
             <a:endParaRPr lang="th-TH"/>
           </a:p>
@@ -2017,6 +6117,7 @@
           <a:p>
             <a:fld id="{76FC35F0-277E-4AC3-848E-A4A73BBCF1FC}" type="slidenum">
               <a:rPr lang="th-TH" smtClean="0"/>
+              <a:pPr/>
               <a:t>‹#›</a:t>
             </a:fld>
             <a:endParaRPr lang="th-TH"/>
@@ -2247,7 +6348,8 @@
           <a:p>
             <a:fld id="{88CEA0EC-B540-486E-B9E6-86457E1701D2}" type="datetimeFigureOut">
               <a:rPr lang="th-TH" smtClean="0"/>
-              <a:t>29/10/51</a:t>
+              <a:pPr/>
+              <a:t>05/11/51</a:t>
             </a:fld>
             <a:endParaRPr lang="th-TH"/>
           </a:p>
@@ -2289,6 +6391,7 @@
           <a:p>
             <a:fld id="{76FC35F0-277E-4AC3-848E-A4A73BBCF1FC}" type="slidenum">
               <a:rPr lang="th-TH" smtClean="0"/>
+              <a:pPr/>
               <a:t>‹#›</a:t>
             </a:fld>
             <a:endParaRPr lang="th-TH"/>
@@ -2495,7 +6598,8 @@
           <a:p>
             <a:fld id="{88CEA0EC-B540-486E-B9E6-86457E1701D2}" type="datetimeFigureOut">
               <a:rPr lang="th-TH" smtClean="0"/>
-              <a:t>29/10/51</a:t>
+              <a:pPr/>
+              <a:t>05/11/51</a:t>
             </a:fld>
             <a:endParaRPr lang="th-TH"/>
           </a:p>
@@ -2537,6 +6641,7 @@
           <a:p>
             <a:fld id="{76FC35F0-277E-4AC3-848E-A4A73BBCF1FC}" type="slidenum">
               <a:rPr lang="th-TH" smtClean="0"/>
+              <a:pPr/>
               <a:t>‹#›</a:t>
             </a:fld>
             <a:endParaRPr lang="th-TH"/>
@@ -2703,7 +6808,8 @@
           <a:p>
             <a:fld id="{88CEA0EC-B540-486E-B9E6-86457E1701D2}" type="datetimeFigureOut">
               <a:rPr lang="th-TH" smtClean="0"/>
-              <a:t>29/10/51</a:t>
+              <a:pPr/>
+              <a:t>05/11/51</a:t>
             </a:fld>
             <a:endParaRPr lang="th-TH"/>
           </a:p>
@@ -2781,6 +6887,7 @@
           <a:p>
             <a:fld id="{76FC35F0-277E-4AC3-848E-A4A73BBCF1FC}" type="slidenum">
               <a:rPr lang="th-TH" smtClean="0"/>
+              <a:pPr/>
               <a:t>‹#›</a:t>
             </a:fld>
             <a:endParaRPr lang="th-TH"/>
@@ -3082,7 +7189,7 @@
           <p:nvPr/>
         </p:nvPicPr>
         <p:blipFill>
-          <a:blip r:embed="rId2"/>
+          <a:blip r:embed="rId3"/>
           <a:srcRect l="3356" t="11598" r="4362" b="13659"/>
           <a:stretch>
             <a:fillRect/>
@@ -3115,7 +7222,7 @@
           <p:nvPr/>
         </p:nvPicPr>
         <p:blipFill>
-          <a:blip r:embed="rId3"/>
+          <a:blip r:embed="rId4"/>
           <a:srcRect l="4362" t="11598" r="3355" b="13659"/>
           <a:stretch>
             <a:fillRect/>
@@ -3173,7 +7280,7 @@
           <p:nvPr/>
         </p:nvPicPr>
         <p:blipFill>
-          <a:blip r:embed="rId2"/>
+          <a:blip r:embed="rId3"/>
           <a:srcRect/>
           <a:stretch>
             <a:fillRect/>
@@ -3206,7 +7313,7 @@
           <p:nvPr/>
         </p:nvPicPr>
         <p:blipFill>
-          <a:blip r:embed="rId3"/>
+          <a:blip r:embed="rId4"/>
           <a:srcRect/>
           <a:stretch>
             <a:fillRect/>
@@ -3264,7 +7371,7 @@
           <p:nvPr/>
         </p:nvPicPr>
         <p:blipFill>
-          <a:blip r:embed="rId2"/>
+          <a:blip r:embed="rId3"/>
           <a:srcRect/>
           <a:stretch>
             <a:fillRect/>
@@ -3322,7 +7429,7 @@
           <p:nvPr/>
         </p:nvPicPr>
         <p:blipFill>
-          <a:blip r:embed="rId2"/>
+          <a:blip r:embed="rId3"/>
           <a:srcRect/>
           <a:stretch>
             <a:fillRect/>
@@ -3380,7 +7487,7 @@
           <p:nvPr/>
         </p:nvPicPr>
         <p:blipFill>
-          <a:blip r:embed="rId2"/>
+          <a:blip r:embed="rId3"/>
           <a:srcRect/>
           <a:stretch>
             <a:fillRect/>
@@ -3413,7 +7520,7 @@
           <p:nvPr/>
         </p:nvPicPr>
         <p:blipFill>
-          <a:blip r:embed="rId3"/>
+          <a:blip r:embed="rId4"/>
           <a:srcRect/>
           <a:stretch>
             <a:fillRect/>
@@ -3446,7 +7553,7 @@
           <p:nvPr/>
         </p:nvPicPr>
         <p:blipFill>
-          <a:blip r:embed="rId4"/>
+          <a:blip r:embed="rId5"/>
           <a:srcRect/>
           <a:stretch>
             <a:fillRect/>
@@ -3504,7 +7611,7 @@
           <p:nvPr/>
         </p:nvPicPr>
         <p:blipFill>
-          <a:blip r:embed="rId2"/>
+          <a:blip r:embed="rId3"/>
           <a:srcRect/>
           <a:stretch>
             <a:fillRect/>
@@ -3587,7 +7694,7 @@
           <p:nvPr/>
         </p:nvPicPr>
         <p:blipFill>
-          <a:blip r:embed="rId2"/>
+          <a:blip r:embed="rId3"/>
           <a:srcRect/>
           <a:stretch>
             <a:fillRect/>
@@ -3645,7 +7752,7 @@
           <p:nvPr/>
         </p:nvPicPr>
         <p:blipFill>
-          <a:blip r:embed="rId2"/>
+          <a:blip r:embed="rId3"/>
           <a:srcRect/>
           <a:stretch>
             <a:fillRect/>
@@ -3703,7 +7810,7 @@
           <p:nvPr/>
         </p:nvPicPr>
         <p:blipFill>
-          <a:blip r:embed="rId2"/>
+          <a:blip r:embed="rId3"/>
           <a:srcRect/>
           <a:stretch>
             <a:fillRect/>
@@ -3761,7 +7868,7 @@
           <p:nvPr/>
         </p:nvPicPr>
         <p:blipFill>
-          <a:blip r:embed="rId2"/>
+          <a:blip r:embed="rId3"/>
           <a:srcRect/>
           <a:stretch>
             <a:fillRect/>
@@ -3819,7 +7926,7 @@
           <p:nvPr/>
         </p:nvPicPr>
         <p:blipFill>
-          <a:blip r:embed="rId2"/>
+          <a:blip r:embed="rId3"/>
           <a:srcRect l="3356" t="11598" r="4362" b="13659"/>
           <a:stretch>
             <a:fillRect/>
@@ -3852,7 +7959,7 @@
           <p:nvPr/>
         </p:nvPicPr>
         <p:blipFill>
-          <a:blip r:embed="rId3"/>
+          <a:blip r:embed="rId4"/>
           <a:srcRect l="3356" t="11598" r="4362" b="13660"/>
           <a:stretch>
             <a:fillRect/>
@@ -3910,7 +8017,7 @@
           <p:nvPr/>
         </p:nvPicPr>
         <p:blipFill>
-          <a:blip r:embed="rId2"/>
+          <a:blip r:embed="rId3"/>
           <a:srcRect/>
           <a:stretch>
             <a:fillRect/>
@@ -3968,7 +8075,7 @@
           <p:nvPr/>
         </p:nvPicPr>
         <p:blipFill>
-          <a:blip r:embed="rId2"/>
+          <a:blip r:embed="rId3"/>
           <a:srcRect/>
           <a:stretch>
             <a:fillRect/>
@@ -4026,7 +8133,7 @@
           <p:nvPr/>
         </p:nvPicPr>
         <p:blipFill>
-          <a:blip r:embed="rId2"/>
+          <a:blip r:embed="rId3"/>
           <a:srcRect/>
           <a:stretch>
             <a:fillRect/>
@@ -4259,7 +8366,7 @@
           <p:nvPr/>
         </p:nvPicPr>
         <p:blipFill>
-          <a:blip r:embed="rId2"/>
+          <a:blip r:embed="rId3"/>
           <a:srcRect/>
           <a:stretch>
             <a:fillRect/>
@@ -4442,7 +8549,7 @@
           <p:nvPr/>
         </p:nvPicPr>
         <p:blipFill>
-          <a:blip r:embed="rId2"/>
+          <a:blip r:embed="rId3"/>
           <a:srcRect/>
           <a:stretch>
             <a:fillRect/>
@@ -4500,7 +8607,7 @@
           <p:nvPr/>
         </p:nvPicPr>
         <p:blipFill>
-          <a:blip r:embed="rId2"/>
+          <a:blip r:embed="rId3"/>
           <a:srcRect/>
           <a:stretch>
             <a:fillRect/>
@@ -4558,7 +8665,7 @@
           <p:nvPr/>
         </p:nvPicPr>
         <p:blipFill>
-          <a:blip r:embed="rId2"/>
+          <a:blip r:embed="rId3"/>
           <a:srcRect/>
           <a:stretch>
             <a:fillRect/>
@@ -4616,7 +8723,7 @@
           <p:nvPr/>
         </p:nvPicPr>
         <p:blipFill>
-          <a:blip r:embed="rId2"/>
+          <a:blip r:embed="rId3"/>
           <a:srcRect/>
           <a:stretch>
             <a:fillRect/>
@@ -4649,7 +8756,7 @@
           <p:nvPr/>
         </p:nvPicPr>
         <p:blipFill>
-          <a:blip r:embed="rId3"/>
+          <a:blip r:embed="rId4"/>
           <a:srcRect/>
           <a:stretch>
             <a:fillRect/>
@@ -4707,7 +8814,7 @@
           <p:nvPr/>
         </p:nvPicPr>
         <p:blipFill>
-          <a:blip r:embed="rId2"/>
+          <a:blip r:embed="rId3"/>
           <a:srcRect/>
           <a:stretch>
             <a:fillRect/>
@@ -4765,7 +8872,7 @@
           <p:nvPr/>
         </p:nvPicPr>
         <p:blipFill>
-          <a:blip r:embed="rId2"/>
+          <a:blip r:embed="rId3"/>
           <a:srcRect/>
           <a:stretch>
             <a:fillRect/>
@@ -4798,7 +8905,7 @@
           <p:nvPr/>
         </p:nvPicPr>
         <p:blipFill>
-          <a:blip r:embed="rId3"/>
+          <a:blip r:embed="rId4"/>
           <a:srcRect/>
           <a:stretch>
             <a:fillRect/>
@@ -4830,6 +8937,478 @@
 </p:sld>
 </file>
 
+<file path=ppt/slides/slide40.xml><?xml version="1.0" encoding="utf-8"?>
+<p:sld xmlns:a="http://schemas.openxmlformats.org/drawingml/2006/main" xmlns:r="http://schemas.openxmlformats.org/officeDocument/2006/relationships" xmlns:p="http://schemas.openxmlformats.org/presentationml/2006/main">
+  <p:cSld>
+    <p:spTree>
+      <p:nvGrpSpPr>
+        <p:cNvPr id="1" name=""/>
+        <p:cNvGrpSpPr/>
+        <p:nvPr/>
+      </p:nvGrpSpPr>
+      <p:grpSpPr>
+        <a:xfrm>
+          <a:off x="0" y="0"/>
+          <a:ext cx="0" cy="0"/>
+          <a:chOff x="0" y="0"/>
+          <a:chExt cx="0" cy="0"/>
+        </a:xfrm>
+      </p:grpSpPr>
+      <p:pic>
+        <p:nvPicPr>
+          <p:cNvPr id="1026" name="Picture 2"/>
+          <p:cNvPicPr>
+            <a:picLocks noChangeAspect="1" noChangeArrowheads="1"/>
+          </p:cNvPicPr>
+          <p:nvPr/>
+        </p:nvPicPr>
+        <p:blipFill>
+          <a:blip r:embed="rId3"/>
+          <a:srcRect/>
+          <a:stretch>
+            <a:fillRect/>
+          </a:stretch>
+        </p:blipFill>
+        <p:spPr bwMode="auto">
+          <a:xfrm>
+            <a:off x="2152650" y="885825"/>
+            <a:ext cx="4838700" cy="5086350"/>
+          </a:xfrm>
+          <a:prstGeom prst="rect">
+            <a:avLst/>
+          </a:prstGeom>
+          <a:noFill/>
+          <a:ln w="9525">
+            <a:noFill/>
+            <a:miter lim="800000"/>
+            <a:headEnd/>
+            <a:tailEnd/>
+          </a:ln>
+          <a:effectLst/>
+        </p:spPr>
+      </p:pic>
+    </p:spTree>
+  </p:cSld>
+  <p:clrMapOvr>
+    <a:masterClrMapping/>
+  </p:clrMapOvr>
+</p:sld>
+</file>
+
+<file path=ppt/slides/slide41.xml><?xml version="1.0" encoding="utf-8"?>
+<p:sld xmlns:a="http://schemas.openxmlformats.org/drawingml/2006/main" xmlns:r="http://schemas.openxmlformats.org/officeDocument/2006/relationships" xmlns:p="http://schemas.openxmlformats.org/presentationml/2006/main">
+  <p:cSld>
+    <p:spTree>
+      <p:nvGrpSpPr>
+        <p:cNvPr id="1" name=""/>
+        <p:cNvGrpSpPr/>
+        <p:nvPr/>
+      </p:nvGrpSpPr>
+      <p:grpSpPr>
+        <a:xfrm>
+          <a:off x="0" y="0"/>
+          <a:ext cx="0" cy="0"/>
+          <a:chOff x="0" y="0"/>
+          <a:chExt cx="0" cy="0"/>
+        </a:xfrm>
+      </p:grpSpPr>
+      <p:pic>
+        <p:nvPicPr>
+          <p:cNvPr id="2050" name="Picture 2"/>
+          <p:cNvPicPr>
+            <a:picLocks noChangeAspect="1" noChangeArrowheads="1"/>
+          </p:cNvPicPr>
+          <p:nvPr/>
+        </p:nvPicPr>
+        <p:blipFill>
+          <a:blip r:embed="rId3"/>
+          <a:srcRect/>
+          <a:stretch>
+            <a:fillRect/>
+          </a:stretch>
+        </p:blipFill>
+        <p:spPr bwMode="auto">
+          <a:xfrm>
+            <a:off x="3267075" y="1433513"/>
+            <a:ext cx="2609850" cy="3990975"/>
+          </a:xfrm>
+          <a:prstGeom prst="rect">
+            <a:avLst/>
+          </a:prstGeom>
+          <a:noFill/>
+          <a:ln w="9525">
+            <a:noFill/>
+            <a:miter lim="800000"/>
+            <a:headEnd/>
+            <a:tailEnd/>
+          </a:ln>
+          <a:effectLst/>
+        </p:spPr>
+      </p:pic>
+    </p:spTree>
+  </p:cSld>
+  <p:clrMapOvr>
+    <a:masterClrMapping/>
+  </p:clrMapOvr>
+</p:sld>
+</file>
+
+<file path=ppt/slides/slide42.xml><?xml version="1.0" encoding="utf-8"?>
+<p:sld xmlns:a="http://schemas.openxmlformats.org/drawingml/2006/main" xmlns:r="http://schemas.openxmlformats.org/officeDocument/2006/relationships" xmlns:p="http://schemas.openxmlformats.org/presentationml/2006/main">
+  <p:cSld>
+    <p:spTree>
+      <p:nvGrpSpPr>
+        <p:cNvPr id="1" name=""/>
+        <p:cNvGrpSpPr/>
+        <p:nvPr/>
+      </p:nvGrpSpPr>
+      <p:grpSpPr>
+        <a:xfrm>
+          <a:off x="0" y="0"/>
+          <a:ext cx="0" cy="0"/>
+          <a:chOff x="0" y="0"/>
+          <a:chExt cx="0" cy="0"/>
+        </a:xfrm>
+      </p:grpSpPr>
+      <p:pic>
+        <p:nvPicPr>
+          <p:cNvPr id="3074" name="Picture 2"/>
+          <p:cNvPicPr>
+            <a:picLocks noChangeAspect="1" noChangeArrowheads="1"/>
+          </p:cNvPicPr>
+          <p:nvPr/>
+        </p:nvPicPr>
+        <p:blipFill>
+          <a:blip r:embed="rId3"/>
+          <a:srcRect/>
+          <a:stretch>
+            <a:fillRect/>
+          </a:stretch>
+        </p:blipFill>
+        <p:spPr bwMode="auto">
+          <a:xfrm>
+            <a:off x="2152650" y="885825"/>
+            <a:ext cx="4838700" cy="5086350"/>
+          </a:xfrm>
+          <a:prstGeom prst="rect">
+            <a:avLst/>
+          </a:prstGeom>
+          <a:noFill/>
+          <a:ln w="9525">
+            <a:noFill/>
+            <a:miter lim="800000"/>
+            <a:headEnd/>
+            <a:tailEnd/>
+          </a:ln>
+          <a:effectLst/>
+        </p:spPr>
+      </p:pic>
+    </p:spTree>
+  </p:cSld>
+  <p:clrMapOvr>
+    <a:masterClrMapping/>
+  </p:clrMapOvr>
+</p:sld>
+</file>
+
+<file path=ppt/slides/slide43.xml><?xml version="1.0" encoding="utf-8"?>
+<p:sld xmlns:a="http://schemas.openxmlformats.org/drawingml/2006/main" xmlns:r="http://schemas.openxmlformats.org/officeDocument/2006/relationships" xmlns:p="http://schemas.openxmlformats.org/presentationml/2006/main">
+  <p:cSld>
+    <p:spTree>
+      <p:nvGrpSpPr>
+        <p:cNvPr id="1" name=""/>
+        <p:cNvGrpSpPr/>
+        <p:nvPr/>
+      </p:nvGrpSpPr>
+      <p:grpSpPr>
+        <a:xfrm>
+          <a:off x="0" y="0"/>
+          <a:ext cx="0" cy="0"/>
+          <a:chOff x="0" y="0"/>
+          <a:chExt cx="0" cy="0"/>
+        </a:xfrm>
+      </p:grpSpPr>
+      <p:pic>
+        <p:nvPicPr>
+          <p:cNvPr id="4098" name="Picture 2"/>
+          <p:cNvPicPr>
+            <a:picLocks noChangeAspect="1" noChangeArrowheads="1"/>
+          </p:cNvPicPr>
+          <p:nvPr/>
+        </p:nvPicPr>
+        <p:blipFill>
+          <a:blip r:embed="rId3"/>
+          <a:srcRect/>
+          <a:stretch>
+            <a:fillRect/>
+          </a:stretch>
+        </p:blipFill>
+        <p:spPr bwMode="auto">
+          <a:xfrm>
+            <a:off x="2152650" y="885825"/>
+            <a:ext cx="4838700" cy="5086350"/>
+          </a:xfrm>
+          <a:prstGeom prst="rect">
+            <a:avLst/>
+          </a:prstGeom>
+          <a:noFill/>
+          <a:ln w="9525">
+            <a:noFill/>
+            <a:miter lim="800000"/>
+            <a:headEnd/>
+            <a:tailEnd/>
+          </a:ln>
+          <a:effectLst/>
+        </p:spPr>
+      </p:pic>
+    </p:spTree>
+  </p:cSld>
+  <p:clrMapOvr>
+    <a:masterClrMapping/>
+  </p:clrMapOvr>
+</p:sld>
+</file>
+
+<file path=ppt/slides/slide44.xml><?xml version="1.0" encoding="utf-8"?>
+<p:sld xmlns:a="http://schemas.openxmlformats.org/drawingml/2006/main" xmlns:r="http://schemas.openxmlformats.org/officeDocument/2006/relationships" xmlns:p="http://schemas.openxmlformats.org/presentationml/2006/main">
+  <p:cSld>
+    <p:spTree>
+      <p:nvGrpSpPr>
+        <p:cNvPr id="1" name=""/>
+        <p:cNvGrpSpPr/>
+        <p:nvPr/>
+      </p:nvGrpSpPr>
+      <p:grpSpPr>
+        <a:xfrm>
+          <a:off x="0" y="0"/>
+          <a:ext cx="0" cy="0"/>
+          <a:chOff x="0" y="0"/>
+          <a:chExt cx="0" cy="0"/>
+        </a:xfrm>
+      </p:grpSpPr>
+      <p:pic>
+        <p:nvPicPr>
+          <p:cNvPr id="5124" name="Picture 4"/>
+          <p:cNvPicPr>
+            <a:picLocks noChangeAspect="1" noChangeArrowheads="1"/>
+          </p:cNvPicPr>
+          <p:nvPr/>
+        </p:nvPicPr>
+        <p:blipFill>
+          <a:blip r:embed="rId3"/>
+          <a:srcRect/>
+          <a:stretch>
+            <a:fillRect/>
+          </a:stretch>
+        </p:blipFill>
+        <p:spPr bwMode="auto">
+          <a:xfrm>
+            <a:off x="2152650" y="885825"/>
+            <a:ext cx="4838700" cy="5086350"/>
+          </a:xfrm>
+          <a:prstGeom prst="rect">
+            <a:avLst/>
+          </a:prstGeom>
+          <a:noFill/>
+          <a:ln w="9525">
+            <a:noFill/>
+            <a:miter lim="800000"/>
+            <a:headEnd/>
+            <a:tailEnd/>
+          </a:ln>
+          <a:effectLst/>
+        </p:spPr>
+      </p:pic>
+      <p:pic>
+        <p:nvPicPr>
+          <p:cNvPr id="5123" name="Picture 3"/>
+          <p:cNvPicPr>
+            <a:picLocks noChangeAspect="1" noChangeArrowheads="1"/>
+          </p:cNvPicPr>
+          <p:nvPr/>
+        </p:nvPicPr>
+        <p:blipFill>
+          <a:blip r:embed="rId4"/>
+          <a:srcRect/>
+          <a:stretch>
+            <a:fillRect/>
+          </a:stretch>
+        </p:blipFill>
+        <p:spPr bwMode="auto">
+          <a:xfrm>
+            <a:off x="4643438" y="2285992"/>
+            <a:ext cx="2505075" cy="1276350"/>
+          </a:xfrm>
+          <a:prstGeom prst="rect">
+            <a:avLst/>
+          </a:prstGeom>
+          <a:noFill/>
+          <a:ln w="9525">
+            <a:noFill/>
+            <a:miter lim="800000"/>
+            <a:headEnd/>
+            <a:tailEnd/>
+          </a:ln>
+          <a:effectLst/>
+        </p:spPr>
+      </p:pic>
+      <p:pic>
+        <p:nvPicPr>
+          <p:cNvPr id="5126" name="Picture 6"/>
+          <p:cNvPicPr>
+            <a:picLocks noChangeAspect="1" noChangeArrowheads="1"/>
+          </p:cNvPicPr>
+          <p:nvPr/>
+        </p:nvPicPr>
+        <p:blipFill>
+          <a:blip r:embed="rId5"/>
+          <a:srcRect/>
+          <a:stretch>
+            <a:fillRect/>
+          </a:stretch>
+        </p:blipFill>
+        <p:spPr bwMode="auto">
+          <a:xfrm>
+            <a:off x="4643438" y="3714752"/>
+            <a:ext cx="2771775" cy="1266825"/>
+          </a:xfrm>
+          <a:prstGeom prst="rect">
+            <a:avLst/>
+          </a:prstGeom>
+          <a:noFill/>
+          <a:ln w="9525">
+            <a:noFill/>
+            <a:miter lim="800000"/>
+            <a:headEnd/>
+            <a:tailEnd/>
+          </a:ln>
+          <a:effectLst/>
+        </p:spPr>
+      </p:pic>
+    </p:spTree>
+  </p:cSld>
+  <p:clrMapOvr>
+    <a:masterClrMapping/>
+  </p:clrMapOvr>
+</p:sld>
+</file>
+
+<file path=ppt/slides/slide45.xml><?xml version="1.0" encoding="utf-8"?>
+<p:sld xmlns:a="http://schemas.openxmlformats.org/drawingml/2006/main" xmlns:r="http://schemas.openxmlformats.org/officeDocument/2006/relationships" xmlns:p="http://schemas.openxmlformats.org/presentationml/2006/main">
+  <p:cSld>
+    <p:spTree>
+      <p:nvGrpSpPr>
+        <p:cNvPr id="1" name=""/>
+        <p:cNvGrpSpPr/>
+        <p:nvPr/>
+      </p:nvGrpSpPr>
+      <p:grpSpPr>
+        <a:xfrm>
+          <a:off x="0" y="0"/>
+          <a:ext cx="0" cy="0"/>
+          <a:chOff x="0" y="0"/>
+          <a:chExt cx="0" cy="0"/>
+        </a:xfrm>
+      </p:grpSpPr>
+      <p:pic>
+        <p:nvPicPr>
+          <p:cNvPr id="6146" name="Picture 2"/>
+          <p:cNvPicPr>
+            <a:picLocks noChangeAspect="1" noChangeArrowheads="1"/>
+          </p:cNvPicPr>
+          <p:nvPr/>
+        </p:nvPicPr>
+        <p:blipFill>
+          <a:blip r:embed="rId3"/>
+          <a:srcRect/>
+          <a:stretch>
+            <a:fillRect/>
+          </a:stretch>
+        </p:blipFill>
+        <p:spPr bwMode="auto">
+          <a:xfrm>
+            <a:off x="3267075" y="2462213"/>
+            <a:ext cx="2609850" cy="1933575"/>
+          </a:xfrm>
+          <a:prstGeom prst="rect">
+            <a:avLst/>
+          </a:prstGeom>
+          <a:noFill/>
+          <a:ln w="9525">
+            <a:noFill/>
+            <a:miter lim="800000"/>
+            <a:headEnd/>
+            <a:tailEnd/>
+          </a:ln>
+          <a:effectLst/>
+        </p:spPr>
+      </p:pic>
+    </p:spTree>
+  </p:cSld>
+  <p:clrMapOvr>
+    <a:masterClrMapping/>
+  </p:clrMapOvr>
+</p:sld>
+</file>
+
+<file path=ppt/slides/slide46.xml><?xml version="1.0" encoding="utf-8"?>
+<p:sld xmlns:a="http://schemas.openxmlformats.org/drawingml/2006/main" xmlns:r="http://schemas.openxmlformats.org/officeDocument/2006/relationships" xmlns:p="http://schemas.openxmlformats.org/presentationml/2006/main">
+  <p:cSld>
+    <p:spTree>
+      <p:nvGrpSpPr>
+        <p:cNvPr id="1" name=""/>
+        <p:cNvGrpSpPr/>
+        <p:nvPr/>
+      </p:nvGrpSpPr>
+      <p:grpSpPr>
+        <a:xfrm>
+          <a:off x="0" y="0"/>
+          <a:ext cx="0" cy="0"/>
+          <a:chOff x="0" y="0"/>
+          <a:chExt cx="0" cy="0"/>
+        </a:xfrm>
+      </p:grpSpPr>
+      <p:pic>
+        <p:nvPicPr>
+          <p:cNvPr id="7170" name="Picture 2"/>
+          <p:cNvPicPr>
+            <a:picLocks noChangeAspect="1" noChangeArrowheads="1"/>
+          </p:cNvPicPr>
+          <p:nvPr/>
+        </p:nvPicPr>
+        <p:blipFill>
+          <a:blip r:embed="rId3"/>
+          <a:srcRect/>
+          <a:stretch>
+            <a:fillRect/>
+          </a:stretch>
+        </p:blipFill>
+        <p:spPr bwMode="auto">
+          <a:xfrm>
+            <a:off x="2152650" y="885825"/>
+            <a:ext cx="4838700" cy="5086350"/>
+          </a:xfrm>
+          <a:prstGeom prst="rect">
+            <a:avLst/>
+          </a:prstGeom>
+          <a:noFill/>
+          <a:ln w="9525">
+            <a:noFill/>
+            <a:miter lim="800000"/>
+            <a:headEnd/>
+            <a:tailEnd/>
+          </a:ln>
+          <a:effectLst/>
+        </p:spPr>
+      </p:pic>
+    </p:spTree>
+  </p:cSld>
+  <p:clrMapOvr>
+    <a:masterClrMapping/>
+  </p:clrMapOvr>
+</p:sld>
+</file>
+
 <file path=ppt/slides/slide5.xml><?xml version="1.0" encoding="utf-8"?>
 <p:sld xmlns:a="http://schemas.openxmlformats.org/drawingml/2006/main" xmlns:r="http://schemas.openxmlformats.org/officeDocument/2006/relationships" xmlns:p="http://schemas.openxmlformats.org/presentationml/2006/main">
   <p:cSld>
@@ -4856,7 +9435,7 @@
           <p:nvPr/>
         </p:nvPicPr>
         <p:blipFill>
-          <a:blip r:embed="rId2"/>
+          <a:blip r:embed="rId3"/>
           <a:srcRect/>
           <a:stretch>
             <a:fillRect/>
@@ -4914,7 +9493,7 @@
           <p:nvPr/>
         </p:nvPicPr>
         <p:blipFill>
-          <a:blip r:embed="rId2"/>
+          <a:blip r:embed="rId3"/>
           <a:srcRect/>
           <a:stretch>
             <a:fillRect/>
@@ -4972,7 +9551,7 @@
           <p:nvPr/>
         </p:nvPicPr>
         <p:blipFill>
-          <a:blip r:embed="rId2"/>
+          <a:blip r:embed="rId3"/>
           <a:srcRect/>
           <a:stretch>
             <a:fillRect/>
@@ -5005,7 +9584,7 @@
           <p:nvPr/>
         </p:nvPicPr>
         <p:blipFill>
-          <a:blip r:embed="rId3"/>
+          <a:blip r:embed="rId4"/>
           <a:srcRect/>
           <a:stretch>
             <a:fillRect/>
@@ -5038,7 +9617,7 @@
           <p:nvPr/>
         </p:nvPicPr>
         <p:blipFill>
-          <a:blip r:embed="rId4"/>
+          <a:blip r:embed="rId5"/>
           <a:srcRect/>
           <a:stretch>
             <a:fillRect/>
@@ -5096,7 +9675,7 @@
           <p:nvPr/>
         </p:nvPicPr>
         <p:blipFill>
-          <a:blip r:embed="rId2"/>
+          <a:blip r:embed="rId3"/>
           <a:srcRect/>
           <a:stretch>
             <a:fillRect/>
@@ -5154,7 +9733,7 @@
           <p:nvPr/>
         </p:nvPicPr>
         <p:blipFill>
-          <a:blip r:embed="rId2"/>
+          <a:blip r:embed="rId3"/>
           <a:srcRect/>
           <a:stretch>
             <a:fillRect/>
@@ -5467,4 +10046,287 @@
   <a:objectDefaults/>
   <a:extraClrSchemeLst/>
 </a:theme>
+</file>
+
+<file path=ppt/theme/theme2.xml><?xml version="1.0" encoding="utf-8"?>
+<a:theme xmlns:a="http://schemas.openxmlformats.org/drawingml/2006/main" name="ชุดรูปแบบของ Office">
+  <a:themeElements>
+    <a:clrScheme name="Office">
+      <a:dk1>
+        <a:sysClr val="windowText" lastClr="000000"/>
+      </a:dk1>
+      <a:lt1>
+        <a:sysClr val="window" lastClr="FFFFFF"/>
+      </a:lt1>
+      <a:dk2>
+        <a:srgbClr val="1F497D"/>
+      </a:dk2>
+      <a:lt2>
+        <a:srgbClr val="EEECE1"/>
+      </a:lt2>
+      <a:accent1>
+        <a:srgbClr val="4F81BD"/>
+      </a:accent1>
+      <a:accent2>
+        <a:srgbClr val="C0504D"/>
+      </a:accent2>
+      <a:accent3>
+        <a:srgbClr val="9BBB59"/>
+      </a:accent3>
+      <a:accent4>
+        <a:srgbClr val="8064A2"/>
+      </a:accent4>
+      <a:accent5>
+        <a:srgbClr val="4BACC6"/>
+      </a:accent5>
+      <a:accent6>
+        <a:srgbClr val="F79646"/>
+      </a:accent6>
+      <a:hlink>
+        <a:srgbClr val="0000FF"/>
+      </a:hlink>
+      <a:folHlink>
+        <a:srgbClr val="800080"/>
+      </a:folHlink>
+    </a:clrScheme>
+    <a:fontScheme name="Office">
+      <a:majorFont>
+        <a:latin typeface="Calibri"/>
+        <a:ea typeface=""/>
+        <a:cs typeface=""/>
+        <a:font script="Jpan" typeface="ＭＳ Ｐゴシック"/>
+        <a:font script="Hang" typeface="맑은 고딕"/>
+        <a:font script="Hans" typeface="宋体"/>
+        <a:font script="Hant" typeface="新細明體"/>
+        <a:font script="Arab" typeface="Times New Roman"/>
+        <a:font script="Hebr" typeface="Times New Roman"/>
+        <a:font script="Thai" typeface="Angsana New"/>
+        <a:font script="Ethi" typeface="Nyala"/>
+        <a:font script="Beng" typeface="Vrinda"/>
+        <a:font script="Gujr" typeface="Shruti"/>
+        <a:font script="Khmr" typeface="MoolBoran"/>
+        <a:font script="Knda" typeface="Tunga"/>
+        <a:font script="Guru" typeface="Raavi"/>
+        <a:font script="Cans" typeface="Euphemia"/>
+        <a:font script="Cher" typeface="Plantagenet Cherokee"/>
+        <a:font script="Yiii" typeface="Microsoft Yi Baiti"/>
+        <a:font script="Tibt" typeface="Microsoft Himalaya"/>
+        <a:font script="Thaa" typeface="MV Boli"/>
+        <a:font script="Deva" typeface="Mangal"/>
+        <a:font script="Telu" typeface="Gautami"/>
+        <a:font script="Taml" typeface="Latha"/>
+        <a:font script="Syrc" typeface="Estrangelo Edessa"/>
+        <a:font script="Orya" typeface="Kalinga"/>
+        <a:font script="Mlym" typeface="Kartika"/>
+        <a:font script="Laoo" typeface="DokChampa"/>
+        <a:font script="Sinh" typeface="Iskoola Pota"/>
+        <a:font script="Mong" typeface="Mongolian Baiti"/>
+        <a:font script="Viet" typeface="Times New Roman"/>
+        <a:font script="Uigh" typeface="Microsoft Uighur"/>
+      </a:majorFont>
+      <a:minorFont>
+        <a:latin typeface="Calibri"/>
+        <a:ea typeface=""/>
+        <a:cs typeface=""/>
+        <a:font script="Jpan" typeface="ＭＳ Ｐゴシック"/>
+        <a:font script="Hang" typeface="맑은 고딕"/>
+        <a:font script="Hans" typeface="宋体"/>
+        <a:font script="Hant" typeface="新細明體"/>
+        <a:font script="Arab" typeface="Arial"/>
+        <a:font script="Hebr" typeface="Arial"/>
+        <a:font script="Thai" typeface="Cordia New"/>
+        <a:font script="Ethi" typeface="Nyala"/>
+        <a:font script="Beng" typeface="Vrinda"/>
+        <a:font script="Gujr" typeface="Shruti"/>
+        <a:font script="Khmr" typeface="DaunPenh"/>
+        <a:font script="Knda" typeface="Tunga"/>
+        <a:font script="Guru" typeface="Raavi"/>
+        <a:font script="Cans" typeface="Euphemia"/>
+        <a:font script="Cher" typeface="Plantagenet Cherokee"/>
+        <a:font script="Yiii" typeface="Microsoft Yi Baiti"/>
+        <a:font script="Tibt" typeface="Microsoft Himalaya"/>
+        <a:font script="Thaa" typeface="MV Boli"/>
+        <a:font script="Deva" typeface="Mangal"/>
+        <a:font script="Telu" typeface="Gautami"/>
+        <a:font script="Taml" typeface="Latha"/>
+        <a:font script="Syrc" typeface="Estrangelo Edessa"/>
+        <a:font script="Orya" typeface="Kalinga"/>
+        <a:font script="Mlym" typeface="Kartika"/>
+        <a:font script="Laoo" typeface="DokChampa"/>
+        <a:font script="Sinh" typeface="Iskoola Pota"/>
+        <a:font script="Mong" typeface="Mongolian Baiti"/>
+        <a:font script="Viet" typeface="Arial"/>
+        <a:font script="Uigh" typeface="Microsoft Uighur"/>
+      </a:minorFont>
+    </a:fontScheme>
+    <a:fmtScheme name="Office">
+      <a:fillStyleLst>
+        <a:solidFill>
+          <a:schemeClr val="phClr"/>
+        </a:solidFill>
+        <a:gradFill rotWithShape="1">
+          <a:gsLst>
+            <a:gs pos="0">
+              <a:schemeClr val="phClr">
+                <a:tint val="50000"/>
+                <a:satMod val="300000"/>
+              </a:schemeClr>
+            </a:gs>
+            <a:gs pos="35000">
+              <a:schemeClr val="phClr">
+                <a:tint val="37000"/>
+                <a:satMod val="300000"/>
+              </a:schemeClr>
+            </a:gs>
+            <a:gs pos="100000">
+              <a:schemeClr val="phClr">
+                <a:tint val="15000"/>
+                <a:satMod val="350000"/>
+              </a:schemeClr>
+            </a:gs>
+          </a:gsLst>
+          <a:lin ang="16200000" scaled="1"/>
+        </a:gradFill>
+        <a:gradFill rotWithShape="1">
+          <a:gsLst>
+            <a:gs pos="0">
+              <a:schemeClr val="phClr">
+                <a:shade val="51000"/>
+                <a:satMod val="130000"/>
+              </a:schemeClr>
+            </a:gs>
+            <a:gs pos="80000">
+              <a:schemeClr val="phClr">
+                <a:shade val="93000"/>
+                <a:satMod val="130000"/>
+              </a:schemeClr>
+            </a:gs>
+            <a:gs pos="100000">
+              <a:schemeClr val="phClr">
+                <a:shade val="94000"/>
+                <a:satMod val="135000"/>
+              </a:schemeClr>
+            </a:gs>
+          </a:gsLst>
+          <a:lin ang="16200000" scaled="0"/>
+        </a:gradFill>
+      </a:fillStyleLst>
+      <a:lnStyleLst>
+        <a:ln w="9525" cap="flat" cmpd="sng" algn="ctr">
+          <a:solidFill>
+            <a:schemeClr val="phClr">
+              <a:shade val="95000"/>
+              <a:satMod val="105000"/>
+            </a:schemeClr>
+          </a:solidFill>
+          <a:prstDash val="solid"/>
+        </a:ln>
+        <a:ln w="25400" cap="flat" cmpd="sng" algn="ctr">
+          <a:solidFill>
+            <a:schemeClr val="phClr"/>
+          </a:solidFill>
+          <a:prstDash val="solid"/>
+        </a:ln>
+        <a:ln w="38100" cap="flat" cmpd="sng" algn="ctr">
+          <a:solidFill>
+            <a:schemeClr val="phClr"/>
+          </a:solidFill>
+          <a:prstDash val="solid"/>
+        </a:ln>
+      </a:lnStyleLst>
+      <a:effectStyleLst>
+        <a:effectStyle>
+          <a:effectLst>
+            <a:outerShdw blurRad="40000" dist="20000" dir="5400000" rotWithShape="0">
+              <a:srgbClr val="000000">
+                <a:alpha val="38000"/>
+              </a:srgbClr>
+            </a:outerShdw>
+          </a:effectLst>
+        </a:effectStyle>
+        <a:effectStyle>
+          <a:effectLst>
+            <a:outerShdw blurRad="40000" dist="23000" dir="5400000" rotWithShape="0">
+              <a:srgbClr val="000000">
+                <a:alpha val="35000"/>
+              </a:srgbClr>
+            </a:outerShdw>
+          </a:effectLst>
+        </a:effectStyle>
+        <a:effectStyle>
+          <a:effectLst>
+            <a:outerShdw blurRad="40000" dist="23000" dir="5400000" rotWithShape="0">
+              <a:srgbClr val="000000">
+                <a:alpha val="35000"/>
+              </a:srgbClr>
+            </a:outerShdw>
+          </a:effectLst>
+          <a:scene3d>
+            <a:camera prst="orthographicFront">
+              <a:rot lat="0" lon="0" rev="0"/>
+            </a:camera>
+            <a:lightRig rig="threePt" dir="t">
+              <a:rot lat="0" lon="0" rev="1200000"/>
+            </a:lightRig>
+          </a:scene3d>
+          <a:sp3d>
+            <a:bevelT w="63500" h="25400"/>
+          </a:sp3d>
+        </a:effectStyle>
+      </a:effectStyleLst>
+      <a:bgFillStyleLst>
+        <a:solidFill>
+          <a:schemeClr val="phClr"/>
+        </a:solidFill>
+        <a:gradFill rotWithShape="1">
+          <a:gsLst>
+            <a:gs pos="0">
+              <a:schemeClr val="phClr">
+                <a:tint val="40000"/>
+                <a:satMod val="350000"/>
+              </a:schemeClr>
+            </a:gs>
+            <a:gs pos="40000">
+              <a:schemeClr val="phClr">
+                <a:tint val="45000"/>
+                <a:shade val="99000"/>
+                <a:satMod val="350000"/>
+              </a:schemeClr>
+            </a:gs>
+            <a:gs pos="100000">
+              <a:schemeClr val="phClr">
+                <a:shade val="20000"/>
+                <a:satMod val="255000"/>
+              </a:schemeClr>
+            </a:gs>
+          </a:gsLst>
+          <a:path path="circle">
+            <a:fillToRect l="50000" t="-80000" r="50000" b="180000"/>
+          </a:path>
+        </a:gradFill>
+        <a:gradFill rotWithShape="1">
+          <a:gsLst>
+            <a:gs pos="0">
+              <a:schemeClr val="phClr">
+                <a:tint val="80000"/>
+                <a:satMod val="300000"/>
+              </a:schemeClr>
+            </a:gs>
+            <a:gs pos="100000">
+              <a:schemeClr val="phClr">
+                <a:shade val="30000"/>
+                <a:satMod val="200000"/>
+              </a:schemeClr>
+            </a:gs>
+          </a:gsLst>
+          <a:path path="circle">
+            <a:fillToRect l="50000" t="50000" r="50000" b="50000"/>
+          </a:path>
+        </a:gradFill>
+      </a:bgFillStyleLst>
+    </a:fmtScheme>
+  </a:themeElements>
+  <a:objectDefaults/>
+  <a:extraClrSchemeLst/>
+</a:theme>
 </file>